--- a/course_material/week_18/week_18_presentation.pptx
+++ b/course_material/week_18/week_18_presentation.pptx
@@ -5,7 +5,7 @@
     <p:sldMasterId id="2147483696" r:id="rId1"/>
   </p:sldMasterIdLst>
   <p:notesMasterIdLst>
-    <p:notesMasterId r:id="rId16"/>
+    <p:notesMasterId r:id="rId18"/>
   </p:notesMasterIdLst>
   <p:sldIdLst>
     <p:sldId id="256" r:id="rId2"/>
@@ -18,10 +18,12 @@
     <p:sldId id="325" r:id="rId9"/>
     <p:sldId id="326" r:id="rId10"/>
     <p:sldId id="324" r:id="rId11"/>
-    <p:sldId id="321" r:id="rId12"/>
-    <p:sldId id="311" r:id="rId13"/>
-    <p:sldId id="322" r:id="rId14"/>
-    <p:sldId id="271" r:id="rId15"/>
+    <p:sldId id="328" r:id="rId12"/>
+    <p:sldId id="321" r:id="rId13"/>
+    <p:sldId id="327" r:id="rId14"/>
+    <p:sldId id="311" r:id="rId15"/>
+    <p:sldId id="322" r:id="rId16"/>
+    <p:sldId id="271" r:id="rId17"/>
   </p:sldIdLst>
   <p:sldSz cx="12192000" cy="6858000"/>
   <p:notesSz cx="6858000" cy="9144000"/>
@@ -1754,6 +1756,2331 @@
 </pc:chgInfo>
 </file>
 
+<file path=ppt/diagrams/colors1.xml><?xml version="1.0" encoding="utf-8"?>
+<dgm:colorsDef xmlns:dgm="http://schemas.openxmlformats.org/drawingml/2006/diagram" xmlns:a="http://schemas.openxmlformats.org/drawingml/2006/main" uniqueId="urn:microsoft.com/office/officeart/2005/8/colors/colorful2">
+  <dgm:title val=""/>
+  <dgm:desc val=""/>
+  <dgm:catLst>
+    <dgm:cat type="colorful" pri="10200"/>
+  </dgm:catLst>
+  <dgm:styleLbl name="node0">
+    <dgm:fillClrLst meth="repeat">
+      <a:schemeClr val="accent1"/>
+    </dgm:fillClrLst>
+    <dgm:linClrLst meth="repeat">
+      <a:schemeClr val="lt1"/>
+    </dgm:linClrLst>
+    <dgm:effectClrLst/>
+    <dgm:txLinClrLst/>
+    <dgm:txFillClrLst/>
+    <dgm:txEffectClrLst/>
+  </dgm:styleLbl>
+  <dgm:styleLbl name="node1">
+    <dgm:fillClrLst>
+      <a:schemeClr val="accent2"/>
+      <a:schemeClr val="accent3"/>
+    </dgm:fillClrLst>
+    <dgm:linClrLst meth="repeat">
+      <a:schemeClr val="lt1"/>
+    </dgm:linClrLst>
+    <dgm:effectClrLst/>
+    <dgm:txLinClrLst/>
+    <dgm:txFillClrLst/>
+    <dgm:txEffectClrLst/>
+  </dgm:styleLbl>
+  <dgm:styleLbl name="alignNode1">
+    <dgm:fillClrLst>
+      <a:schemeClr val="accent2"/>
+      <a:schemeClr val="accent3"/>
+    </dgm:fillClrLst>
+    <dgm:linClrLst>
+      <a:schemeClr val="accent2"/>
+      <a:schemeClr val="accent3"/>
+    </dgm:linClrLst>
+    <dgm:effectClrLst/>
+    <dgm:txLinClrLst/>
+    <dgm:txFillClrLst/>
+    <dgm:txEffectClrLst/>
+  </dgm:styleLbl>
+  <dgm:styleLbl name="lnNode1">
+    <dgm:fillClrLst>
+      <a:schemeClr val="accent2"/>
+      <a:schemeClr val="accent3"/>
+    </dgm:fillClrLst>
+    <dgm:linClrLst meth="repeat">
+      <a:schemeClr val="lt1"/>
+    </dgm:linClrLst>
+    <dgm:effectClrLst/>
+    <dgm:txLinClrLst/>
+    <dgm:txFillClrLst/>
+    <dgm:txEffectClrLst/>
+  </dgm:styleLbl>
+  <dgm:styleLbl name="vennNode1">
+    <dgm:fillClrLst>
+      <a:schemeClr val="accent2">
+        <a:alpha val="50000"/>
+      </a:schemeClr>
+      <a:schemeClr val="accent3">
+        <a:alpha val="50000"/>
+      </a:schemeClr>
+    </dgm:fillClrLst>
+    <dgm:linClrLst meth="repeat">
+      <a:schemeClr val="lt1"/>
+    </dgm:linClrLst>
+    <dgm:effectClrLst/>
+    <dgm:txLinClrLst/>
+    <dgm:txFillClrLst/>
+    <dgm:txEffectClrLst/>
+  </dgm:styleLbl>
+  <dgm:styleLbl name="node2">
+    <dgm:fillClrLst>
+      <a:schemeClr val="accent3"/>
+    </dgm:fillClrLst>
+    <dgm:linClrLst meth="repeat">
+      <a:schemeClr val="lt1"/>
+    </dgm:linClrLst>
+    <dgm:effectClrLst/>
+    <dgm:txLinClrLst/>
+    <dgm:txFillClrLst/>
+    <dgm:txEffectClrLst/>
+  </dgm:styleLbl>
+  <dgm:styleLbl name="node3">
+    <dgm:fillClrLst>
+      <a:schemeClr val="accent4"/>
+    </dgm:fillClrLst>
+    <dgm:linClrLst meth="repeat">
+      <a:schemeClr val="lt1"/>
+    </dgm:linClrLst>
+    <dgm:effectClrLst/>
+    <dgm:txLinClrLst/>
+    <dgm:txFillClrLst/>
+    <dgm:txEffectClrLst/>
+  </dgm:styleLbl>
+  <dgm:styleLbl name="node4">
+    <dgm:fillClrLst>
+      <a:schemeClr val="accent5"/>
+    </dgm:fillClrLst>
+    <dgm:linClrLst meth="repeat">
+      <a:schemeClr val="lt1"/>
+    </dgm:linClrLst>
+    <dgm:effectClrLst/>
+    <dgm:txLinClrLst/>
+    <dgm:txFillClrLst/>
+    <dgm:txEffectClrLst/>
+  </dgm:styleLbl>
+  <dgm:styleLbl name="fgImgPlace1">
+    <dgm:fillClrLst>
+      <a:schemeClr val="accent2">
+        <a:tint val="50000"/>
+      </a:schemeClr>
+      <a:schemeClr val="accent3">
+        <a:tint val="50000"/>
+      </a:schemeClr>
+    </dgm:fillClrLst>
+    <dgm:linClrLst meth="repeat">
+      <a:schemeClr val="lt1"/>
+    </dgm:linClrLst>
+    <dgm:effectClrLst/>
+    <dgm:txLinClrLst/>
+    <dgm:txFillClrLst meth="repeat">
+      <a:schemeClr val="lt1"/>
+    </dgm:txFillClrLst>
+    <dgm:txEffectClrLst/>
+  </dgm:styleLbl>
+  <dgm:styleLbl name="alignImgPlace1">
+    <dgm:fillClrLst>
+      <a:schemeClr val="accent2">
+        <a:tint val="50000"/>
+      </a:schemeClr>
+      <a:schemeClr val="accent3">
+        <a:tint val="20000"/>
+      </a:schemeClr>
+    </dgm:fillClrLst>
+    <dgm:linClrLst meth="repeat">
+      <a:schemeClr val="lt1"/>
+    </dgm:linClrLst>
+    <dgm:effectClrLst/>
+    <dgm:txLinClrLst/>
+    <dgm:txFillClrLst meth="repeat">
+      <a:schemeClr val="lt1"/>
+    </dgm:txFillClrLst>
+    <dgm:txEffectClrLst/>
+  </dgm:styleLbl>
+  <dgm:styleLbl name="bgImgPlace1">
+    <dgm:fillClrLst>
+      <a:schemeClr val="accent2">
+        <a:tint val="50000"/>
+      </a:schemeClr>
+      <a:schemeClr val="accent3">
+        <a:tint val="20000"/>
+      </a:schemeClr>
+    </dgm:fillClrLst>
+    <dgm:linClrLst meth="repeat">
+      <a:schemeClr val="lt1"/>
+    </dgm:linClrLst>
+    <dgm:effectClrLst/>
+    <dgm:txLinClrLst/>
+    <dgm:txFillClrLst meth="repeat">
+      <a:schemeClr val="lt1"/>
+    </dgm:txFillClrLst>
+    <dgm:txEffectClrLst/>
+  </dgm:styleLbl>
+  <dgm:styleLbl name="sibTrans2D1">
+    <dgm:fillClrLst>
+      <a:schemeClr val="accent2"/>
+      <a:schemeClr val="accent3"/>
+    </dgm:fillClrLst>
+    <dgm:linClrLst meth="repeat">
+      <a:schemeClr val="lt1"/>
+    </dgm:linClrLst>
+    <dgm:effectClrLst/>
+    <dgm:txLinClrLst/>
+    <dgm:txFillClrLst/>
+    <dgm:txEffectClrLst/>
+  </dgm:styleLbl>
+  <dgm:styleLbl name="fgSibTrans2D1">
+    <dgm:fillClrLst>
+      <a:schemeClr val="accent2"/>
+      <a:schemeClr val="accent3"/>
+    </dgm:fillClrLst>
+    <dgm:linClrLst meth="repeat">
+      <a:schemeClr val="lt1"/>
+    </dgm:linClrLst>
+    <dgm:effectClrLst/>
+    <dgm:txLinClrLst/>
+    <dgm:txFillClrLst meth="repeat">
+      <a:schemeClr val="lt1"/>
+    </dgm:txFillClrLst>
+    <dgm:txEffectClrLst/>
+  </dgm:styleLbl>
+  <dgm:styleLbl name="bgSibTrans2D1">
+    <dgm:fillClrLst>
+      <a:schemeClr val="accent2"/>
+      <a:schemeClr val="accent3"/>
+    </dgm:fillClrLst>
+    <dgm:linClrLst meth="repeat">
+      <a:schemeClr val="lt1"/>
+    </dgm:linClrLst>
+    <dgm:effectClrLst/>
+    <dgm:txLinClrLst/>
+    <dgm:txFillClrLst meth="repeat">
+      <a:schemeClr val="lt1"/>
+    </dgm:txFillClrLst>
+    <dgm:txEffectClrLst/>
+  </dgm:styleLbl>
+  <dgm:styleLbl name="sibTrans1D1">
+    <dgm:fillClrLst/>
+    <dgm:linClrLst>
+      <a:schemeClr val="accent2"/>
+      <a:schemeClr val="accent3"/>
+    </dgm:linClrLst>
+    <dgm:effectClrLst/>
+    <dgm:txLinClrLst/>
+    <dgm:txFillClrLst meth="repeat">
+      <a:schemeClr val="tx1"/>
+    </dgm:txFillClrLst>
+    <dgm:txEffectClrLst/>
+  </dgm:styleLbl>
+  <dgm:styleLbl name="callout">
+    <dgm:fillClrLst meth="repeat">
+      <a:schemeClr val="accent2"/>
+    </dgm:fillClrLst>
+    <dgm:linClrLst meth="repeat">
+      <a:schemeClr val="accent2">
+        <a:tint val="50000"/>
+      </a:schemeClr>
+    </dgm:linClrLst>
+    <dgm:effectClrLst/>
+    <dgm:txLinClrLst/>
+    <dgm:txFillClrLst meth="repeat">
+      <a:schemeClr val="tx1"/>
+    </dgm:txFillClrLst>
+    <dgm:txEffectClrLst/>
+  </dgm:styleLbl>
+  <dgm:styleLbl name="asst0">
+    <dgm:fillClrLst meth="repeat">
+      <a:schemeClr val="accent2"/>
+    </dgm:fillClrLst>
+    <dgm:linClrLst meth="repeat">
+      <a:schemeClr val="lt1">
+        <a:shade val="80000"/>
+      </a:schemeClr>
+    </dgm:linClrLst>
+    <dgm:effectClrLst/>
+    <dgm:txLinClrLst/>
+    <dgm:txFillClrLst/>
+    <dgm:txEffectClrLst/>
+  </dgm:styleLbl>
+  <dgm:styleLbl name="asst1">
+    <dgm:fillClrLst meth="repeat">
+      <a:schemeClr val="accent3"/>
+    </dgm:fillClrLst>
+    <dgm:linClrLst meth="repeat">
+      <a:schemeClr val="lt1">
+        <a:shade val="80000"/>
+      </a:schemeClr>
+    </dgm:linClrLst>
+    <dgm:effectClrLst/>
+    <dgm:txLinClrLst/>
+    <dgm:txFillClrLst/>
+    <dgm:txEffectClrLst/>
+  </dgm:styleLbl>
+  <dgm:styleLbl name="asst2">
+    <dgm:fillClrLst>
+      <a:schemeClr val="accent4"/>
+    </dgm:fillClrLst>
+    <dgm:linClrLst meth="repeat">
+      <a:schemeClr val="lt1"/>
+    </dgm:linClrLst>
+    <dgm:effectClrLst/>
+    <dgm:txLinClrLst/>
+    <dgm:txFillClrLst/>
+    <dgm:txEffectClrLst/>
+  </dgm:styleLbl>
+  <dgm:styleLbl name="asst3">
+    <dgm:fillClrLst>
+      <a:schemeClr val="accent5"/>
+    </dgm:fillClrLst>
+    <dgm:linClrLst meth="repeat">
+      <a:schemeClr val="lt1"/>
+    </dgm:linClrLst>
+    <dgm:effectClrLst/>
+    <dgm:txLinClrLst/>
+    <dgm:txFillClrLst/>
+    <dgm:txEffectClrLst/>
+  </dgm:styleLbl>
+  <dgm:styleLbl name="asst4">
+    <dgm:fillClrLst>
+      <a:schemeClr val="accent6"/>
+    </dgm:fillClrLst>
+    <dgm:linClrLst meth="repeat">
+      <a:schemeClr val="lt1"/>
+    </dgm:linClrLst>
+    <dgm:effectClrLst/>
+    <dgm:txLinClrLst/>
+    <dgm:txFillClrLst/>
+    <dgm:txEffectClrLst/>
+  </dgm:styleLbl>
+  <dgm:styleLbl name="parChTrans2D1">
+    <dgm:fillClrLst meth="repeat">
+      <a:schemeClr val="accent2"/>
+    </dgm:fillClrLst>
+    <dgm:linClrLst meth="repeat">
+      <a:schemeClr val="lt1"/>
+    </dgm:linClrLst>
+    <dgm:effectClrLst/>
+    <dgm:txLinClrLst/>
+    <dgm:txFillClrLst meth="repeat">
+      <a:schemeClr val="lt1"/>
+    </dgm:txFillClrLst>
+    <dgm:txEffectClrLst/>
+  </dgm:styleLbl>
+  <dgm:styleLbl name="parChTrans2D2">
+    <dgm:fillClrLst meth="repeat">
+      <a:schemeClr val="accent3"/>
+    </dgm:fillClrLst>
+    <dgm:linClrLst meth="repeat">
+      <a:schemeClr val="lt1"/>
+    </dgm:linClrLst>
+    <dgm:effectClrLst/>
+    <dgm:txLinClrLst/>
+    <dgm:txFillClrLst/>
+    <dgm:txEffectClrLst/>
+  </dgm:styleLbl>
+  <dgm:styleLbl name="parChTrans2D3">
+    <dgm:fillClrLst meth="repeat">
+      <a:schemeClr val="accent4"/>
+    </dgm:fillClrLst>
+    <dgm:linClrLst meth="repeat">
+      <a:schemeClr val="lt1"/>
+    </dgm:linClrLst>
+    <dgm:effectClrLst/>
+    <dgm:txLinClrLst/>
+    <dgm:txFillClrLst/>
+    <dgm:txEffectClrLst/>
+  </dgm:styleLbl>
+  <dgm:styleLbl name="parChTrans2D4">
+    <dgm:fillClrLst meth="repeat">
+      <a:schemeClr val="accent5"/>
+    </dgm:fillClrLst>
+    <dgm:linClrLst meth="repeat">
+      <a:schemeClr val="lt1"/>
+    </dgm:linClrLst>
+    <dgm:effectClrLst/>
+    <dgm:txLinClrLst/>
+    <dgm:txFillClrLst meth="repeat">
+      <a:schemeClr val="lt1"/>
+    </dgm:txFillClrLst>
+    <dgm:txEffectClrLst/>
+  </dgm:styleLbl>
+  <dgm:styleLbl name="parChTrans1D1">
+    <dgm:fillClrLst meth="repeat">
+      <a:schemeClr val="accent2"/>
+    </dgm:fillClrLst>
+    <dgm:linClrLst meth="repeat">
+      <a:schemeClr val="accent2"/>
+    </dgm:linClrLst>
+    <dgm:effectClrLst/>
+    <dgm:txLinClrLst/>
+    <dgm:txFillClrLst meth="repeat">
+      <a:schemeClr val="tx1"/>
+    </dgm:txFillClrLst>
+    <dgm:txEffectClrLst/>
+  </dgm:styleLbl>
+  <dgm:styleLbl name="parChTrans1D2">
+    <dgm:fillClrLst meth="repeat">
+      <a:schemeClr val="accent2">
+        <a:tint val="90000"/>
+      </a:schemeClr>
+    </dgm:fillClrLst>
+    <dgm:linClrLst meth="repeat">
+      <a:schemeClr val="accent3"/>
+    </dgm:linClrLst>
+    <dgm:effectClrLst/>
+    <dgm:txLinClrLst/>
+    <dgm:txFillClrLst meth="repeat">
+      <a:schemeClr val="tx1"/>
+    </dgm:txFillClrLst>
+    <dgm:txEffectClrLst/>
+  </dgm:styleLbl>
+  <dgm:styleLbl name="parChTrans1D3">
+    <dgm:fillClrLst meth="repeat">
+      <a:schemeClr val="accent2">
+        <a:tint val="70000"/>
+      </a:schemeClr>
+    </dgm:fillClrLst>
+    <dgm:linClrLst meth="repeat">
+      <a:schemeClr val="accent4"/>
+    </dgm:linClrLst>
+    <dgm:effectClrLst/>
+    <dgm:txLinClrLst/>
+    <dgm:txFillClrLst meth="repeat">
+      <a:schemeClr val="tx1"/>
+    </dgm:txFillClrLst>
+    <dgm:txEffectClrLst/>
+  </dgm:styleLbl>
+  <dgm:styleLbl name="parChTrans1D4">
+    <dgm:fillClrLst meth="repeat">
+      <a:schemeClr val="accent2">
+        <a:tint val="50000"/>
+      </a:schemeClr>
+    </dgm:fillClrLst>
+    <dgm:linClrLst meth="repeat">
+      <a:schemeClr val="accent5"/>
+    </dgm:linClrLst>
+    <dgm:effectClrLst/>
+    <dgm:txLinClrLst/>
+    <dgm:txFillClrLst meth="repeat">
+      <a:schemeClr val="tx1"/>
+    </dgm:txFillClrLst>
+    <dgm:txEffectClrLst/>
+  </dgm:styleLbl>
+  <dgm:styleLbl name="fgAcc1">
+    <dgm:fillClrLst meth="repeat">
+      <a:schemeClr val="lt1">
+        <a:alpha val="90000"/>
+      </a:schemeClr>
+    </dgm:fillClrLst>
+    <dgm:linClrLst>
+      <a:schemeClr val="accent2"/>
+      <a:schemeClr val="accent3"/>
+    </dgm:linClrLst>
+    <dgm:effectClrLst/>
+    <dgm:txLinClrLst/>
+    <dgm:txFillClrLst meth="repeat">
+      <a:schemeClr val="dk1"/>
+    </dgm:txFillClrLst>
+    <dgm:txEffectClrLst/>
+  </dgm:styleLbl>
+  <dgm:styleLbl name="conFgAcc1">
+    <dgm:fillClrLst meth="repeat">
+      <a:schemeClr val="lt1">
+        <a:alpha val="90000"/>
+      </a:schemeClr>
+    </dgm:fillClrLst>
+    <dgm:linClrLst>
+      <a:schemeClr val="accent2"/>
+      <a:schemeClr val="accent3"/>
+    </dgm:linClrLst>
+    <dgm:effectClrLst/>
+    <dgm:txLinClrLst/>
+    <dgm:txFillClrLst meth="repeat">
+      <a:schemeClr val="dk1"/>
+    </dgm:txFillClrLst>
+    <dgm:txEffectClrLst/>
+  </dgm:styleLbl>
+  <dgm:styleLbl name="alignAcc1">
+    <dgm:fillClrLst meth="repeat">
+      <a:schemeClr val="lt1">
+        <a:alpha val="90000"/>
+      </a:schemeClr>
+    </dgm:fillClrLst>
+    <dgm:linClrLst>
+      <a:schemeClr val="accent2"/>
+      <a:schemeClr val="accent3"/>
+    </dgm:linClrLst>
+    <dgm:effectClrLst/>
+    <dgm:txLinClrLst/>
+    <dgm:txFillClrLst meth="repeat">
+      <a:schemeClr val="dk1"/>
+    </dgm:txFillClrLst>
+    <dgm:txEffectClrLst/>
+  </dgm:styleLbl>
+  <dgm:styleLbl name="trAlignAcc1">
+    <dgm:fillClrLst meth="repeat">
+      <a:schemeClr val="lt1">
+        <a:alpha val="40000"/>
+      </a:schemeClr>
+    </dgm:fillClrLst>
+    <dgm:linClrLst meth="repeat">
+      <a:schemeClr val="accent2"/>
+    </dgm:linClrLst>
+    <dgm:effectClrLst/>
+    <dgm:txLinClrLst/>
+    <dgm:txFillClrLst meth="repeat">
+      <a:schemeClr val="dk1"/>
+    </dgm:txFillClrLst>
+    <dgm:txEffectClrLst/>
+  </dgm:styleLbl>
+  <dgm:styleLbl name="bgAcc1">
+    <dgm:fillClrLst meth="repeat">
+      <a:schemeClr val="lt1">
+        <a:alpha val="90000"/>
+      </a:schemeClr>
+    </dgm:fillClrLst>
+    <dgm:linClrLst>
+      <a:schemeClr val="accent2"/>
+      <a:schemeClr val="accent3"/>
+    </dgm:linClrLst>
+    <dgm:effectClrLst/>
+    <dgm:txLinClrLst/>
+    <dgm:txFillClrLst meth="repeat">
+      <a:schemeClr val="dk1"/>
+    </dgm:txFillClrLst>
+    <dgm:txEffectClrLst/>
+  </dgm:styleLbl>
+  <dgm:styleLbl name="solidFgAcc1">
+    <dgm:fillClrLst meth="repeat">
+      <a:schemeClr val="lt1"/>
+    </dgm:fillClrLst>
+    <dgm:linClrLst>
+      <a:schemeClr val="accent2"/>
+      <a:schemeClr val="accent3"/>
+    </dgm:linClrLst>
+    <dgm:effectClrLst/>
+    <dgm:txLinClrLst/>
+    <dgm:txFillClrLst meth="repeat">
+      <a:schemeClr val="dk1"/>
+    </dgm:txFillClrLst>
+    <dgm:txEffectClrLst/>
+  </dgm:styleLbl>
+  <dgm:styleLbl name="solidAlignAcc1">
+    <dgm:fillClrLst meth="repeat">
+      <a:schemeClr val="lt1"/>
+    </dgm:fillClrLst>
+    <dgm:linClrLst>
+      <a:schemeClr val="accent2"/>
+      <a:schemeClr val="accent3"/>
+    </dgm:linClrLst>
+    <dgm:effectClrLst/>
+    <dgm:txLinClrLst/>
+    <dgm:txFillClrLst meth="repeat">
+      <a:schemeClr val="dk1"/>
+    </dgm:txFillClrLst>
+    <dgm:txEffectClrLst/>
+  </dgm:styleLbl>
+  <dgm:styleLbl name="solidBgAcc1">
+    <dgm:fillClrLst meth="repeat">
+      <a:schemeClr val="lt1"/>
+    </dgm:fillClrLst>
+    <dgm:linClrLst>
+      <a:schemeClr val="accent2"/>
+      <a:schemeClr val="accent3"/>
+    </dgm:linClrLst>
+    <dgm:effectClrLst/>
+    <dgm:txLinClrLst/>
+    <dgm:txFillClrLst meth="repeat">
+      <a:schemeClr val="dk1"/>
+    </dgm:txFillClrLst>
+    <dgm:txEffectClrLst/>
+  </dgm:styleLbl>
+  <dgm:styleLbl name="fgAccFollowNode1">
+    <dgm:fillClrLst>
+      <a:schemeClr val="accent2">
+        <a:tint val="40000"/>
+        <a:alpha val="90000"/>
+      </a:schemeClr>
+      <a:schemeClr val="accent3">
+        <a:tint val="40000"/>
+        <a:alpha val="90000"/>
+      </a:schemeClr>
+    </dgm:fillClrLst>
+    <dgm:linClrLst>
+      <a:schemeClr val="accent2">
+        <a:tint val="40000"/>
+        <a:alpha val="90000"/>
+      </a:schemeClr>
+      <a:schemeClr val="accent3">
+        <a:tint val="40000"/>
+        <a:alpha val="90000"/>
+      </a:schemeClr>
+    </dgm:linClrLst>
+    <dgm:effectClrLst/>
+    <dgm:txLinClrLst/>
+    <dgm:txFillClrLst meth="repeat">
+      <a:schemeClr val="dk1"/>
+    </dgm:txFillClrLst>
+    <dgm:txEffectClrLst/>
+  </dgm:styleLbl>
+  <dgm:styleLbl name="alignAccFollowNode1">
+    <dgm:fillClrLst>
+      <a:schemeClr val="accent2">
+        <a:tint val="40000"/>
+        <a:alpha val="90000"/>
+      </a:schemeClr>
+      <a:schemeClr val="accent3">
+        <a:tint val="40000"/>
+        <a:alpha val="90000"/>
+      </a:schemeClr>
+    </dgm:fillClrLst>
+    <dgm:linClrLst>
+      <a:schemeClr val="accent2">
+        <a:tint val="40000"/>
+        <a:alpha val="90000"/>
+      </a:schemeClr>
+      <a:schemeClr val="accent3">
+        <a:tint val="40000"/>
+        <a:alpha val="90000"/>
+      </a:schemeClr>
+    </dgm:linClrLst>
+    <dgm:effectClrLst/>
+    <dgm:txLinClrLst/>
+    <dgm:txFillClrLst meth="repeat">
+      <a:schemeClr val="dk1"/>
+    </dgm:txFillClrLst>
+    <dgm:txEffectClrLst/>
+  </dgm:styleLbl>
+  <dgm:styleLbl name="bgAccFollowNode1">
+    <dgm:fillClrLst>
+      <a:schemeClr val="accent2">
+        <a:tint val="40000"/>
+        <a:alpha val="90000"/>
+      </a:schemeClr>
+      <a:schemeClr val="accent3">
+        <a:tint val="40000"/>
+        <a:alpha val="90000"/>
+      </a:schemeClr>
+    </dgm:fillClrLst>
+    <dgm:linClrLst>
+      <a:schemeClr val="accent2">
+        <a:tint val="40000"/>
+        <a:alpha val="90000"/>
+      </a:schemeClr>
+      <a:schemeClr val="accent3">
+        <a:tint val="40000"/>
+        <a:alpha val="90000"/>
+      </a:schemeClr>
+    </dgm:linClrLst>
+    <dgm:effectClrLst/>
+    <dgm:txLinClrLst/>
+    <dgm:txFillClrLst meth="repeat">
+      <a:schemeClr val="dk1"/>
+    </dgm:txFillClrLst>
+    <dgm:txEffectClrLst/>
+  </dgm:styleLbl>
+  <dgm:styleLbl name="fgAcc0">
+    <dgm:fillClrLst meth="repeat">
+      <a:schemeClr val="lt1">
+        <a:alpha val="90000"/>
+      </a:schemeClr>
+    </dgm:fillClrLst>
+    <dgm:linClrLst>
+      <a:schemeClr val="accent1"/>
+    </dgm:linClrLst>
+    <dgm:effectClrLst/>
+    <dgm:txLinClrLst/>
+    <dgm:txFillClrLst meth="repeat">
+      <a:schemeClr val="dk1"/>
+    </dgm:txFillClrLst>
+    <dgm:txEffectClrLst/>
+  </dgm:styleLbl>
+  <dgm:styleLbl name="fgAcc2">
+    <dgm:fillClrLst meth="repeat">
+      <a:schemeClr val="lt1">
+        <a:alpha val="90000"/>
+      </a:schemeClr>
+    </dgm:fillClrLst>
+    <dgm:linClrLst>
+      <a:schemeClr val="accent3"/>
+    </dgm:linClrLst>
+    <dgm:effectClrLst/>
+    <dgm:txLinClrLst/>
+    <dgm:txFillClrLst meth="repeat">
+      <a:schemeClr val="dk1"/>
+    </dgm:txFillClrLst>
+    <dgm:txEffectClrLst/>
+  </dgm:styleLbl>
+  <dgm:styleLbl name="fgAcc3">
+    <dgm:fillClrLst meth="repeat">
+      <a:schemeClr val="lt1">
+        <a:alpha val="90000"/>
+      </a:schemeClr>
+    </dgm:fillClrLst>
+    <dgm:linClrLst>
+      <a:schemeClr val="accent4"/>
+    </dgm:linClrLst>
+    <dgm:effectClrLst/>
+    <dgm:txLinClrLst/>
+    <dgm:txFillClrLst meth="repeat">
+      <a:schemeClr val="dk1"/>
+    </dgm:txFillClrLst>
+    <dgm:txEffectClrLst/>
+  </dgm:styleLbl>
+  <dgm:styleLbl name="fgAcc4">
+    <dgm:fillClrLst meth="repeat">
+      <a:schemeClr val="lt1">
+        <a:alpha val="90000"/>
+      </a:schemeClr>
+    </dgm:fillClrLst>
+    <dgm:linClrLst>
+      <a:schemeClr val="accent5"/>
+    </dgm:linClrLst>
+    <dgm:effectClrLst/>
+    <dgm:txLinClrLst/>
+    <dgm:txFillClrLst meth="repeat">
+      <a:schemeClr val="dk1"/>
+    </dgm:txFillClrLst>
+    <dgm:txEffectClrLst/>
+  </dgm:styleLbl>
+  <dgm:styleLbl name="bgShp">
+    <dgm:fillClrLst meth="repeat">
+      <a:schemeClr val="accent2">
+        <a:tint val="40000"/>
+      </a:schemeClr>
+    </dgm:fillClrLst>
+    <dgm:linClrLst meth="repeat">
+      <a:schemeClr val="dk1"/>
+    </dgm:linClrLst>
+    <dgm:effectClrLst/>
+    <dgm:txLinClrLst/>
+    <dgm:txFillClrLst meth="repeat">
+      <a:schemeClr val="dk1"/>
+    </dgm:txFillClrLst>
+    <dgm:txEffectClrLst/>
+  </dgm:styleLbl>
+  <dgm:styleLbl name="dkBgShp">
+    <dgm:fillClrLst meth="repeat">
+      <a:schemeClr val="accent2">
+        <a:shade val="90000"/>
+      </a:schemeClr>
+    </dgm:fillClrLst>
+    <dgm:linClrLst meth="repeat">
+      <a:schemeClr val="dk1"/>
+    </dgm:linClrLst>
+    <dgm:effectClrLst/>
+    <dgm:txLinClrLst/>
+    <dgm:txFillClrLst meth="repeat">
+      <a:schemeClr val="lt1"/>
+    </dgm:txFillClrLst>
+    <dgm:txEffectClrLst/>
+  </dgm:styleLbl>
+  <dgm:styleLbl name="trBgShp">
+    <dgm:fillClrLst meth="repeat">
+      <a:schemeClr val="accent2">
+        <a:tint val="50000"/>
+        <a:alpha val="40000"/>
+      </a:schemeClr>
+    </dgm:fillClrLst>
+    <dgm:linClrLst meth="repeat">
+      <a:schemeClr val="accent2"/>
+    </dgm:linClrLst>
+    <dgm:effectClrLst/>
+    <dgm:txLinClrLst/>
+    <dgm:txFillClrLst meth="repeat">
+      <a:schemeClr val="lt1"/>
+    </dgm:txFillClrLst>
+    <dgm:txEffectClrLst/>
+  </dgm:styleLbl>
+  <dgm:styleLbl name="fgShp">
+    <dgm:fillClrLst meth="repeat">
+      <a:schemeClr val="accent2">
+        <a:tint val="40000"/>
+      </a:schemeClr>
+    </dgm:fillClrLst>
+    <dgm:linClrLst meth="repeat">
+      <a:schemeClr val="lt1"/>
+    </dgm:linClrLst>
+    <dgm:effectClrLst/>
+    <dgm:txLinClrLst/>
+    <dgm:txFillClrLst meth="repeat">
+      <a:schemeClr val="dk1"/>
+    </dgm:txFillClrLst>
+    <dgm:txEffectClrLst/>
+  </dgm:styleLbl>
+  <dgm:styleLbl name="revTx">
+    <dgm:fillClrLst meth="repeat">
+      <a:schemeClr val="lt1">
+        <a:alpha val="0"/>
+      </a:schemeClr>
+    </dgm:fillClrLst>
+    <dgm:linClrLst meth="repeat">
+      <a:schemeClr val="dk1">
+        <a:alpha val="0"/>
+      </a:schemeClr>
+    </dgm:linClrLst>
+    <dgm:effectClrLst/>
+    <dgm:txLinClrLst/>
+    <dgm:txFillClrLst meth="repeat">
+      <a:schemeClr val="tx1"/>
+    </dgm:txFillClrLst>
+    <dgm:txEffectClrLst/>
+  </dgm:styleLbl>
+</dgm:colorsDef>
+</file>
+
+<file path=ppt/diagrams/data1.xml><?xml version="1.0" encoding="utf-8"?>
+<dgm:dataModel xmlns:dgm="http://schemas.openxmlformats.org/drawingml/2006/diagram" xmlns:a="http://schemas.openxmlformats.org/drawingml/2006/main">
+  <dgm:ptLst>
+    <dgm:pt modelId="{A3BBCAF2-0C56-4668-A6ED-EE282AE645E1}" type="doc">
+      <dgm:prSet loTypeId="urn:microsoft.com/office/officeart/2005/8/layout/vList2" loCatId="list" qsTypeId="urn:microsoft.com/office/officeart/2005/8/quickstyle/simple4" qsCatId="simple" csTypeId="urn:microsoft.com/office/officeart/2005/8/colors/colorful2" csCatId="colorful" phldr="1"/>
+      <dgm:spPr/>
+      <dgm:t>
+        <a:bodyPr/>
+        <a:lstStyle/>
+        <a:p>
+          <a:endParaRPr lang="en-US"/>
+        </a:p>
+      </dgm:t>
+    </dgm:pt>
+    <dgm:pt modelId="{44086B83-D446-4DE6-9BE7-2A998FDD3D19}">
+      <dgm:prSet/>
+      <dgm:spPr/>
+      <dgm:t>
+        <a:bodyPr/>
+        <a:lstStyle/>
+        <a:p>
+          <a:r>
+            <a:rPr lang="en-US" baseline="0"/>
+            <a:t>Forward – takes input values and propagates forward through the hidden layers to the output. Used to calculate predictions and errors.</a:t>
+          </a:r>
+          <a:endParaRPr lang="en-US"/>
+        </a:p>
+      </dgm:t>
+    </dgm:pt>
+    <dgm:pt modelId="{5E72FEEC-4352-49B5-911A-2687E313AF83}" type="parTrans" cxnId="{B8646382-FCF5-41F6-9E57-29B36F178A49}">
+      <dgm:prSet/>
+      <dgm:spPr/>
+      <dgm:t>
+        <a:bodyPr/>
+        <a:lstStyle/>
+        <a:p>
+          <a:endParaRPr lang="en-US"/>
+        </a:p>
+      </dgm:t>
+    </dgm:pt>
+    <dgm:pt modelId="{F0D2B7BE-3003-49D0-B43D-17536CC375E0}" type="sibTrans" cxnId="{B8646382-FCF5-41F6-9E57-29B36F178A49}">
+      <dgm:prSet/>
+      <dgm:spPr/>
+      <dgm:t>
+        <a:bodyPr/>
+        <a:lstStyle/>
+        <a:p>
+          <a:endParaRPr lang="en-US"/>
+        </a:p>
+      </dgm:t>
+    </dgm:pt>
+    <dgm:pt modelId="{E851DA8F-4761-4C9A-8903-73E7DD9CDEDD}">
+      <dgm:prSet/>
+      <dgm:spPr/>
+      <dgm:t>
+        <a:bodyPr/>
+        <a:lstStyle/>
+        <a:p>
+          <a:r>
+            <a:rPr lang="en-US" baseline="0" dirty="0"/>
+            <a:t>Backward – go back one layer at a time from output to input to see how small changes impact the difference between the predicted and actual values. Working to minimize the loss function.</a:t>
+          </a:r>
+          <a:endParaRPr lang="en-US" dirty="0"/>
+        </a:p>
+      </dgm:t>
+    </dgm:pt>
+    <dgm:pt modelId="{1B87AD91-4F4F-4452-97E5-C2E91551E3DF}" type="parTrans" cxnId="{321B2786-A7C1-4249-83DD-C2937B2BEBB5}">
+      <dgm:prSet/>
+      <dgm:spPr/>
+      <dgm:t>
+        <a:bodyPr/>
+        <a:lstStyle/>
+        <a:p>
+          <a:endParaRPr lang="en-US"/>
+        </a:p>
+      </dgm:t>
+    </dgm:pt>
+    <dgm:pt modelId="{BC25E3CD-1B7B-4019-9F45-A70CB2459BA1}" type="sibTrans" cxnId="{321B2786-A7C1-4249-83DD-C2937B2BEBB5}">
+      <dgm:prSet/>
+      <dgm:spPr/>
+      <dgm:t>
+        <a:bodyPr/>
+        <a:lstStyle/>
+        <a:p>
+          <a:endParaRPr lang="en-US"/>
+        </a:p>
+      </dgm:t>
+    </dgm:pt>
+    <dgm:pt modelId="{6136CAD1-9397-4FAC-AC9D-00591D0666C2}" type="pres">
+      <dgm:prSet presAssocID="{A3BBCAF2-0C56-4668-A6ED-EE282AE645E1}" presName="linear" presStyleCnt="0">
+        <dgm:presLayoutVars>
+          <dgm:animLvl val="lvl"/>
+          <dgm:resizeHandles val="exact"/>
+        </dgm:presLayoutVars>
+      </dgm:prSet>
+      <dgm:spPr/>
+    </dgm:pt>
+    <dgm:pt modelId="{23D42F47-9C63-4F9E-AE19-24C0D30C0EA0}" type="pres">
+      <dgm:prSet presAssocID="{44086B83-D446-4DE6-9BE7-2A998FDD3D19}" presName="parentText" presStyleLbl="node1" presStyleIdx="0" presStyleCnt="2">
+        <dgm:presLayoutVars>
+          <dgm:chMax val="0"/>
+          <dgm:bulletEnabled val="1"/>
+        </dgm:presLayoutVars>
+      </dgm:prSet>
+      <dgm:spPr/>
+    </dgm:pt>
+    <dgm:pt modelId="{7C925B8F-E122-4CB4-9DC5-F1C478049964}" type="pres">
+      <dgm:prSet presAssocID="{F0D2B7BE-3003-49D0-B43D-17536CC375E0}" presName="spacer" presStyleCnt="0"/>
+      <dgm:spPr/>
+    </dgm:pt>
+    <dgm:pt modelId="{860BD99D-1045-428C-AAE7-ABAB33E1C9B5}" type="pres">
+      <dgm:prSet presAssocID="{E851DA8F-4761-4C9A-8903-73E7DD9CDEDD}" presName="parentText" presStyleLbl="node1" presStyleIdx="1" presStyleCnt="2">
+        <dgm:presLayoutVars>
+          <dgm:chMax val="0"/>
+          <dgm:bulletEnabled val="1"/>
+        </dgm:presLayoutVars>
+      </dgm:prSet>
+      <dgm:spPr/>
+    </dgm:pt>
+  </dgm:ptLst>
+  <dgm:cxnLst>
+    <dgm:cxn modelId="{B7C04C00-4EE8-4C5E-B051-FBAB0D59E79F}" type="presOf" srcId="{E851DA8F-4761-4C9A-8903-73E7DD9CDEDD}" destId="{860BD99D-1045-428C-AAE7-ABAB33E1C9B5}" srcOrd="0" destOrd="0" presId="urn:microsoft.com/office/officeart/2005/8/layout/vList2"/>
+    <dgm:cxn modelId="{B8646382-FCF5-41F6-9E57-29B36F178A49}" srcId="{A3BBCAF2-0C56-4668-A6ED-EE282AE645E1}" destId="{44086B83-D446-4DE6-9BE7-2A998FDD3D19}" srcOrd="0" destOrd="0" parTransId="{5E72FEEC-4352-49B5-911A-2687E313AF83}" sibTransId="{F0D2B7BE-3003-49D0-B43D-17536CC375E0}"/>
+    <dgm:cxn modelId="{321B2786-A7C1-4249-83DD-C2937B2BEBB5}" srcId="{A3BBCAF2-0C56-4668-A6ED-EE282AE645E1}" destId="{E851DA8F-4761-4C9A-8903-73E7DD9CDEDD}" srcOrd="1" destOrd="0" parTransId="{1B87AD91-4F4F-4452-97E5-C2E91551E3DF}" sibTransId="{BC25E3CD-1B7B-4019-9F45-A70CB2459BA1}"/>
+    <dgm:cxn modelId="{FADDB2A8-0274-4CB0-A4D2-ECD698130BEA}" type="presOf" srcId="{A3BBCAF2-0C56-4668-A6ED-EE282AE645E1}" destId="{6136CAD1-9397-4FAC-AC9D-00591D0666C2}" srcOrd="0" destOrd="0" presId="urn:microsoft.com/office/officeart/2005/8/layout/vList2"/>
+    <dgm:cxn modelId="{AAF641D8-16D6-428A-9915-14FB7389A57B}" type="presOf" srcId="{44086B83-D446-4DE6-9BE7-2A998FDD3D19}" destId="{23D42F47-9C63-4F9E-AE19-24C0D30C0EA0}" srcOrd="0" destOrd="0" presId="urn:microsoft.com/office/officeart/2005/8/layout/vList2"/>
+    <dgm:cxn modelId="{2D563967-0F4B-409A-94CB-2F3ED6077F8A}" type="presParOf" srcId="{6136CAD1-9397-4FAC-AC9D-00591D0666C2}" destId="{23D42F47-9C63-4F9E-AE19-24C0D30C0EA0}" srcOrd="0" destOrd="0" presId="urn:microsoft.com/office/officeart/2005/8/layout/vList2"/>
+    <dgm:cxn modelId="{B7A9F078-8C1D-4877-8DD2-BE4534E80A0A}" type="presParOf" srcId="{6136CAD1-9397-4FAC-AC9D-00591D0666C2}" destId="{7C925B8F-E122-4CB4-9DC5-F1C478049964}" srcOrd="1" destOrd="0" presId="urn:microsoft.com/office/officeart/2005/8/layout/vList2"/>
+    <dgm:cxn modelId="{14AC93E6-5F12-4013-8A7F-B6BE2DAF90BE}" type="presParOf" srcId="{6136CAD1-9397-4FAC-AC9D-00591D0666C2}" destId="{860BD99D-1045-428C-AAE7-ABAB33E1C9B5}" srcOrd="2" destOrd="0" presId="urn:microsoft.com/office/officeart/2005/8/layout/vList2"/>
+  </dgm:cxnLst>
+  <dgm:bg/>
+  <dgm:whole/>
+  <dgm:extLst>
+    <a:ext uri="http://schemas.microsoft.com/office/drawing/2008/diagram">
+      <dsp:dataModelExt xmlns:dsp="http://schemas.microsoft.com/office/drawing/2008/diagram" relId="rId7" minVer="http://schemas.openxmlformats.org/drawingml/2006/diagram"/>
+    </a:ext>
+  </dgm:extLst>
+</dgm:dataModel>
+</file>
+
+<file path=ppt/diagrams/drawing1.xml><?xml version="1.0" encoding="utf-8"?>
+<dsp:drawing xmlns:dgm="http://schemas.openxmlformats.org/drawingml/2006/diagram" xmlns:dsp="http://schemas.microsoft.com/office/drawing/2008/diagram" xmlns:a="http://schemas.openxmlformats.org/drawingml/2006/main">
+  <dsp:spTree>
+    <dsp:nvGrpSpPr>
+      <dsp:cNvPr id="0" name=""/>
+      <dsp:cNvGrpSpPr/>
+    </dsp:nvGrpSpPr>
+    <dsp:grpSpPr/>
+    <dsp:sp modelId="{23D42F47-9C63-4F9E-AE19-24C0D30C0EA0}">
+      <dsp:nvSpPr>
+        <dsp:cNvPr id="0" name=""/>
+        <dsp:cNvSpPr/>
+      </dsp:nvSpPr>
+      <dsp:spPr>
+        <a:xfrm>
+          <a:off x="0" y="72214"/>
+          <a:ext cx="5990135" cy="2522812"/>
+        </a:xfrm>
+        <a:prstGeom prst="roundRect">
+          <a:avLst/>
+        </a:prstGeom>
+        <a:solidFill>
+          <a:schemeClr val="accent2">
+            <a:hueOff val="0"/>
+            <a:satOff val="0"/>
+            <a:lumOff val="0"/>
+            <a:alphaOff val="0"/>
+          </a:schemeClr>
+        </a:solidFill>
+        <a:ln>
+          <a:noFill/>
+        </a:ln>
+        <a:effectLst>
+          <a:outerShdw blurRad="50800" dist="15240" dir="5400000" algn="tl" rotWithShape="0">
+            <a:srgbClr val="000000">
+              <a:alpha val="75000"/>
+            </a:srgbClr>
+          </a:outerShdw>
+        </a:effectLst>
+        <a:scene3d>
+          <a:camera prst="orthographicFront">
+            <a:rot lat="0" lon="0" rev="0"/>
+          </a:camera>
+          <a:lightRig rig="brightRoom" dir="tl"/>
+        </a:scene3d>
+        <a:sp3d contourW="9525" prstMaterial="flat">
+          <a:bevelT w="0" h="0" prst="coolSlant"/>
+          <a:contourClr>
+            <a:schemeClr val="accent2">
+              <a:hueOff val="0"/>
+              <a:satOff val="0"/>
+              <a:lumOff val="0"/>
+              <a:alphaOff val="0"/>
+              <a:shade val="35000"/>
+              <a:satMod val="130000"/>
+            </a:schemeClr>
+          </a:contourClr>
+        </a:sp3d>
+      </dsp:spPr>
+      <dsp:style>
+        <a:lnRef idx="0">
+          <a:scrgbClr r="0" g="0" b="0"/>
+        </a:lnRef>
+        <a:fillRef idx="3">
+          <a:scrgbClr r="0" g="0" b="0"/>
+        </a:fillRef>
+        <a:effectRef idx="2">
+          <a:scrgbClr r="0" g="0" b="0"/>
+        </a:effectRef>
+        <a:fontRef idx="minor">
+          <a:schemeClr val="lt1"/>
+        </a:fontRef>
+      </dsp:style>
+      <dsp:txBody>
+        <a:bodyPr spcFirstLastPara="0" vert="horz" wrap="square" lIns="95250" tIns="95250" rIns="95250" bIns="95250" numCol="1" spcCol="1270" anchor="ctr" anchorCtr="0">
+          <a:noAutofit/>
+        </a:bodyPr>
+        <a:lstStyle/>
+        <a:p>
+          <a:pPr marL="0" lvl="0" indent="0" algn="l" defTabSz="1111250">
+            <a:lnSpc>
+              <a:spcPct val="90000"/>
+            </a:lnSpc>
+            <a:spcBef>
+              <a:spcPct val="0"/>
+            </a:spcBef>
+            <a:spcAft>
+              <a:spcPct val="35000"/>
+            </a:spcAft>
+            <a:buNone/>
+          </a:pPr>
+          <a:r>
+            <a:rPr lang="en-US" sz="2500" kern="1200" baseline="0"/>
+            <a:t>Forward – takes input values and propagates forward through the hidden layers to the output. Used to calculate predictions and errors.</a:t>
+          </a:r>
+          <a:endParaRPr lang="en-US" sz="2500" kern="1200"/>
+        </a:p>
+      </dsp:txBody>
+      <dsp:txXfrm>
+        <a:off x="123154" y="195368"/>
+        <a:ext cx="5743827" cy="2276504"/>
+      </dsp:txXfrm>
+    </dsp:sp>
+    <dsp:sp modelId="{860BD99D-1045-428C-AAE7-ABAB33E1C9B5}">
+      <dsp:nvSpPr>
+        <dsp:cNvPr id="0" name=""/>
+        <dsp:cNvSpPr/>
+      </dsp:nvSpPr>
+      <dsp:spPr>
+        <a:xfrm>
+          <a:off x="0" y="2667027"/>
+          <a:ext cx="5990135" cy="2522812"/>
+        </a:xfrm>
+        <a:prstGeom prst="roundRect">
+          <a:avLst/>
+        </a:prstGeom>
+        <a:solidFill>
+          <a:schemeClr val="accent2">
+            <a:hueOff val="2715812"/>
+            <a:satOff val="-21913"/>
+            <a:lumOff val="2549"/>
+            <a:alphaOff val="0"/>
+          </a:schemeClr>
+        </a:solidFill>
+        <a:ln>
+          <a:noFill/>
+        </a:ln>
+        <a:effectLst>
+          <a:outerShdw blurRad="50800" dist="15240" dir="5400000" algn="tl" rotWithShape="0">
+            <a:srgbClr val="000000">
+              <a:alpha val="75000"/>
+            </a:srgbClr>
+          </a:outerShdw>
+        </a:effectLst>
+        <a:scene3d>
+          <a:camera prst="orthographicFront">
+            <a:rot lat="0" lon="0" rev="0"/>
+          </a:camera>
+          <a:lightRig rig="brightRoom" dir="tl"/>
+        </a:scene3d>
+        <a:sp3d contourW="9525" prstMaterial="flat">
+          <a:bevelT w="0" h="0" prst="coolSlant"/>
+          <a:contourClr>
+            <a:schemeClr val="accent2">
+              <a:hueOff val="2715812"/>
+              <a:satOff val="-21913"/>
+              <a:lumOff val="2549"/>
+              <a:alphaOff val="0"/>
+              <a:shade val="35000"/>
+              <a:satMod val="130000"/>
+            </a:schemeClr>
+          </a:contourClr>
+        </a:sp3d>
+      </dsp:spPr>
+      <dsp:style>
+        <a:lnRef idx="0">
+          <a:scrgbClr r="0" g="0" b="0"/>
+        </a:lnRef>
+        <a:fillRef idx="3">
+          <a:scrgbClr r="0" g="0" b="0"/>
+        </a:fillRef>
+        <a:effectRef idx="2">
+          <a:scrgbClr r="0" g="0" b="0"/>
+        </a:effectRef>
+        <a:fontRef idx="minor">
+          <a:schemeClr val="lt1"/>
+        </a:fontRef>
+      </dsp:style>
+      <dsp:txBody>
+        <a:bodyPr spcFirstLastPara="0" vert="horz" wrap="square" lIns="95250" tIns="95250" rIns="95250" bIns="95250" numCol="1" spcCol="1270" anchor="ctr" anchorCtr="0">
+          <a:noAutofit/>
+        </a:bodyPr>
+        <a:lstStyle/>
+        <a:p>
+          <a:pPr marL="0" lvl="0" indent="0" algn="l" defTabSz="1111250">
+            <a:lnSpc>
+              <a:spcPct val="90000"/>
+            </a:lnSpc>
+            <a:spcBef>
+              <a:spcPct val="0"/>
+            </a:spcBef>
+            <a:spcAft>
+              <a:spcPct val="35000"/>
+            </a:spcAft>
+            <a:buNone/>
+          </a:pPr>
+          <a:r>
+            <a:rPr lang="en-US" sz="2500" kern="1200" baseline="0" dirty="0"/>
+            <a:t>Backward – go back one layer at a time from output to input to see how small changes impact the difference between the predicted and actual values. Working to minimize the loss function.</a:t>
+          </a:r>
+          <a:endParaRPr lang="en-US" sz="2500" kern="1200" dirty="0"/>
+        </a:p>
+      </dsp:txBody>
+      <dsp:txXfrm>
+        <a:off x="123154" y="2790181"/>
+        <a:ext cx="5743827" cy="2276504"/>
+      </dsp:txXfrm>
+    </dsp:sp>
+  </dsp:spTree>
+</dsp:drawing>
+</file>
+
+<file path=ppt/diagrams/layout1.xml><?xml version="1.0" encoding="utf-8"?>
+<dgm:layoutDef xmlns:dgm="http://schemas.openxmlformats.org/drawingml/2006/diagram" xmlns:a="http://schemas.openxmlformats.org/drawingml/2006/main" uniqueId="urn:microsoft.com/office/officeart/2005/8/layout/vList2">
+  <dgm:title val=""/>
+  <dgm:desc val=""/>
+  <dgm:catLst>
+    <dgm:cat type="list" pri="3000"/>
+    <dgm:cat type="convert" pri="1000"/>
+  </dgm:catLst>
+  <dgm:sampData>
+    <dgm:dataModel>
+      <dgm:ptLst>
+        <dgm:pt modelId="0" type="doc"/>
+        <dgm:pt modelId="1">
+          <dgm:prSet phldr="1"/>
+        </dgm:pt>
+        <dgm:pt modelId="11">
+          <dgm:prSet phldr="1"/>
+        </dgm:pt>
+        <dgm:pt modelId="2">
+          <dgm:prSet phldr="1"/>
+        </dgm:pt>
+        <dgm:pt modelId="21">
+          <dgm:prSet phldr="1"/>
+        </dgm:pt>
+      </dgm:ptLst>
+      <dgm:cxnLst>
+        <dgm:cxn modelId="4" srcId="0" destId="1" srcOrd="0" destOrd="0"/>
+        <dgm:cxn modelId="5" srcId="0" destId="2" srcOrd="1" destOrd="0"/>
+        <dgm:cxn modelId="12" srcId="1" destId="11" srcOrd="0" destOrd="0"/>
+        <dgm:cxn modelId="23" srcId="2" destId="21" srcOrd="0" destOrd="0"/>
+      </dgm:cxnLst>
+      <dgm:bg/>
+      <dgm:whole/>
+    </dgm:dataModel>
+  </dgm:sampData>
+  <dgm:styleData>
+    <dgm:dataModel>
+      <dgm:ptLst>
+        <dgm:pt modelId="0" type="doc"/>
+        <dgm:pt modelId="1"/>
+        <dgm:pt modelId="2"/>
+      </dgm:ptLst>
+      <dgm:cxnLst>
+        <dgm:cxn modelId="3" srcId="0" destId="1" srcOrd="0" destOrd="0"/>
+        <dgm:cxn modelId="4" srcId="0" destId="2" srcOrd="1" destOrd="0"/>
+      </dgm:cxnLst>
+      <dgm:bg/>
+      <dgm:whole/>
+    </dgm:dataModel>
+  </dgm:styleData>
+  <dgm:clrData>
+    <dgm:dataModel>
+      <dgm:ptLst>
+        <dgm:pt modelId="0" type="doc"/>
+        <dgm:pt modelId="1"/>
+        <dgm:pt modelId="2"/>
+        <dgm:pt modelId="3"/>
+        <dgm:pt modelId="4"/>
+      </dgm:ptLst>
+      <dgm:cxnLst>
+        <dgm:cxn modelId="5" srcId="0" destId="1" srcOrd="0" destOrd="0"/>
+        <dgm:cxn modelId="6" srcId="0" destId="2" srcOrd="1" destOrd="0"/>
+        <dgm:cxn modelId="7" srcId="0" destId="3" srcOrd="2" destOrd="0"/>
+        <dgm:cxn modelId="8" srcId="0" destId="4" srcOrd="3" destOrd="0"/>
+      </dgm:cxnLst>
+      <dgm:bg/>
+      <dgm:whole/>
+    </dgm:dataModel>
+  </dgm:clrData>
+  <dgm:layoutNode name="linear">
+    <dgm:varLst>
+      <dgm:animLvl val="lvl"/>
+      <dgm:resizeHandles val="exact"/>
+    </dgm:varLst>
+    <dgm:alg type="lin">
+      <dgm:param type="linDir" val="fromT"/>
+      <dgm:param type="vertAlign" val="mid"/>
+    </dgm:alg>
+    <dgm:shape xmlns:r="http://schemas.openxmlformats.org/officeDocument/2006/relationships" r:blip="">
+      <dgm:adjLst/>
+    </dgm:shape>
+    <dgm:presOf/>
+    <dgm:constrLst>
+      <dgm:constr type="w" for="ch" forName="parentText" refType="w"/>
+      <dgm:constr type="h" for="ch" forName="parentText" refType="primFontSz" refFor="ch" refForName="parentText" fact="0.52"/>
+      <dgm:constr type="w" for="ch" forName="childText" refType="w"/>
+      <dgm:constr type="h" for="ch" forName="childText" refType="primFontSz" refFor="ch" refForName="parentText" fact="0.46"/>
+      <dgm:constr type="h" for="ch" forName="parentText" op="equ"/>
+      <dgm:constr type="primFontSz" for="ch" forName="parentText" op="equ" val="65"/>
+      <dgm:constr type="primFontSz" for="ch" forName="childText" refType="primFontSz" refFor="ch" refForName="parentText" op="equ"/>
+      <dgm:constr type="h" for="ch" forName="spacer" refType="primFontSz" refFor="ch" refForName="parentText" fact="0.08"/>
+    </dgm:constrLst>
+    <dgm:ruleLst>
+      <dgm:rule type="primFontSz" for="ch" forName="parentText" val="5" fact="NaN" max="NaN"/>
+    </dgm:ruleLst>
+    <dgm:forEach name="Name0" axis="ch" ptType="node">
+      <dgm:layoutNode name="parentText" styleLbl="node1">
+        <dgm:varLst>
+          <dgm:chMax val="0"/>
+          <dgm:bulletEnabled val="1"/>
+        </dgm:varLst>
+        <dgm:alg type="tx">
+          <dgm:param type="parTxLTRAlign" val="l"/>
+          <dgm:param type="parTxRTLAlign" val="r"/>
+        </dgm:alg>
+        <dgm:shape xmlns:r="http://schemas.openxmlformats.org/officeDocument/2006/relationships" type="roundRect" r:blip="">
+          <dgm:adjLst/>
+        </dgm:shape>
+        <dgm:presOf axis="self"/>
+        <dgm:constrLst>
+          <dgm:constr type="tMarg" refType="primFontSz" fact="0.3"/>
+          <dgm:constr type="bMarg" refType="primFontSz" fact="0.3"/>
+          <dgm:constr type="lMarg" refType="primFontSz" fact="0.3"/>
+          <dgm:constr type="rMarg" refType="primFontSz" fact="0.3"/>
+        </dgm:constrLst>
+        <dgm:ruleLst>
+          <dgm:rule type="h" val="INF" fact="NaN" max="NaN"/>
+        </dgm:ruleLst>
+      </dgm:layoutNode>
+      <dgm:choose name="Name1">
+        <dgm:if name="Name2" axis="ch" ptType="node" func="cnt" op="gte" val="1">
+          <dgm:layoutNode name="childText" styleLbl="revTx">
+            <dgm:varLst>
+              <dgm:bulletEnabled val="1"/>
+            </dgm:varLst>
+            <dgm:alg type="tx">
+              <dgm:param type="stBulletLvl" val="1"/>
+              <dgm:param type="lnSpAfChP" val="20"/>
+            </dgm:alg>
+            <dgm:shape xmlns:r="http://schemas.openxmlformats.org/officeDocument/2006/relationships" type="rect" r:blip="">
+              <dgm:adjLst/>
+            </dgm:shape>
+            <dgm:presOf axis="des" ptType="node"/>
+            <dgm:constrLst>
+              <dgm:constr type="tMarg" refType="primFontSz" fact="0.1"/>
+              <dgm:constr type="bMarg" refType="primFontSz" fact="0.1"/>
+              <dgm:constr type="lMarg" refType="w" fact="0.09"/>
+            </dgm:constrLst>
+            <dgm:ruleLst>
+              <dgm:rule type="h" val="INF" fact="NaN" max="NaN"/>
+            </dgm:ruleLst>
+          </dgm:layoutNode>
+        </dgm:if>
+        <dgm:else name="Name3">
+          <dgm:choose name="Name4">
+            <dgm:if name="Name5" axis="par ch" ptType="doc node" func="cnt" op="gte" val="2">
+              <dgm:forEach name="Name6" axis="followSib" ptType="sibTrans" cnt="1">
+                <dgm:layoutNode name="spacer">
+                  <dgm:alg type="sp"/>
+                  <dgm:shape xmlns:r="http://schemas.openxmlformats.org/officeDocument/2006/relationships" r:blip="">
+                    <dgm:adjLst/>
+                  </dgm:shape>
+                  <dgm:presOf/>
+                  <dgm:constrLst/>
+                  <dgm:ruleLst/>
+                </dgm:layoutNode>
+              </dgm:forEach>
+            </dgm:if>
+            <dgm:else name="Name7"/>
+          </dgm:choose>
+        </dgm:else>
+      </dgm:choose>
+    </dgm:forEach>
+  </dgm:layoutNode>
+</dgm:layoutDef>
+</file>
+
+<file path=ppt/diagrams/quickStyle1.xml><?xml version="1.0" encoding="utf-8"?>
+<dgm:styleDef xmlns:dgm="http://schemas.openxmlformats.org/drawingml/2006/diagram" xmlns:a="http://schemas.openxmlformats.org/drawingml/2006/main" uniqueId="urn:microsoft.com/office/officeart/2005/8/quickstyle/simple4">
+  <dgm:title val=""/>
+  <dgm:desc val=""/>
+  <dgm:catLst>
+    <dgm:cat type="simple" pri="10400"/>
+  </dgm:catLst>
+  <dgm:scene3d>
+    <a:camera prst="orthographicFront"/>
+    <a:lightRig rig="threePt" dir="t"/>
+  </dgm:scene3d>
+  <dgm:styleLbl name="node0">
+    <dgm:scene3d>
+      <a:camera prst="orthographicFront"/>
+      <a:lightRig rig="threePt" dir="t"/>
+    </dgm:scene3d>
+    <dgm:sp3d/>
+    <dgm:txPr/>
+    <dgm:style>
+      <a:lnRef idx="0">
+        <a:scrgbClr r="0" g="0" b="0"/>
+      </a:lnRef>
+      <a:fillRef idx="3">
+        <a:scrgbClr r="0" g="0" b="0"/>
+      </a:fillRef>
+      <a:effectRef idx="2">
+        <a:scrgbClr r="0" g="0" b="0"/>
+      </a:effectRef>
+      <a:fontRef idx="minor">
+        <a:schemeClr val="lt1"/>
+      </a:fontRef>
+    </dgm:style>
+  </dgm:styleLbl>
+  <dgm:styleLbl name="lnNode1">
+    <dgm:scene3d>
+      <a:camera prst="orthographicFront"/>
+      <a:lightRig rig="threePt" dir="t"/>
+    </dgm:scene3d>
+    <dgm:sp3d/>
+    <dgm:txPr/>
+    <dgm:style>
+      <a:lnRef idx="1">
+        <a:scrgbClr r="0" g="0" b="0"/>
+      </a:lnRef>
+      <a:fillRef idx="3">
+        <a:scrgbClr r="0" g="0" b="0"/>
+      </a:fillRef>
+      <a:effectRef idx="2">
+        <a:scrgbClr r="0" g="0" b="0"/>
+      </a:effectRef>
+      <a:fontRef idx="minor">
+        <a:schemeClr val="lt1"/>
+      </a:fontRef>
+    </dgm:style>
+  </dgm:styleLbl>
+  <dgm:styleLbl name="vennNode1">
+    <dgm:scene3d>
+      <a:camera prst="orthographicFront"/>
+      <a:lightRig rig="threePt" dir="t"/>
+    </dgm:scene3d>
+    <dgm:sp3d/>
+    <dgm:txPr/>
+    <dgm:style>
+      <a:lnRef idx="0">
+        <a:scrgbClr r="0" g="0" b="0"/>
+      </a:lnRef>
+      <a:fillRef idx="3">
+        <a:scrgbClr r="0" g="0" b="0"/>
+      </a:fillRef>
+      <a:effectRef idx="0">
+        <a:scrgbClr r="0" g="0" b="0"/>
+      </a:effectRef>
+      <a:fontRef idx="minor">
+        <a:schemeClr val="tx1"/>
+      </a:fontRef>
+    </dgm:style>
+  </dgm:styleLbl>
+  <dgm:styleLbl name="alignNode1">
+    <dgm:scene3d>
+      <a:camera prst="orthographicFront"/>
+      <a:lightRig rig="threePt" dir="t"/>
+    </dgm:scene3d>
+    <dgm:sp3d/>
+    <dgm:txPr/>
+    <dgm:style>
+      <a:lnRef idx="1">
+        <a:scrgbClr r="0" g="0" b="0"/>
+      </a:lnRef>
+      <a:fillRef idx="3">
+        <a:scrgbClr r="0" g="0" b="0"/>
+      </a:fillRef>
+      <a:effectRef idx="2">
+        <a:scrgbClr r="0" g="0" b="0"/>
+      </a:effectRef>
+      <a:fontRef idx="minor">
+        <a:schemeClr val="lt1"/>
+      </a:fontRef>
+    </dgm:style>
+  </dgm:styleLbl>
+  <dgm:styleLbl name="node1">
+    <dgm:scene3d>
+      <a:camera prst="orthographicFront"/>
+      <a:lightRig rig="threePt" dir="t"/>
+    </dgm:scene3d>
+    <dgm:sp3d/>
+    <dgm:txPr/>
+    <dgm:style>
+      <a:lnRef idx="0">
+        <a:scrgbClr r="0" g="0" b="0"/>
+      </a:lnRef>
+      <a:fillRef idx="3">
+        <a:scrgbClr r="0" g="0" b="0"/>
+      </a:fillRef>
+      <a:effectRef idx="2">
+        <a:scrgbClr r="0" g="0" b="0"/>
+      </a:effectRef>
+      <a:fontRef idx="minor">
+        <a:schemeClr val="lt1"/>
+      </a:fontRef>
+    </dgm:style>
+  </dgm:styleLbl>
+  <dgm:styleLbl name="node2">
+    <dgm:scene3d>
+      <a:camera prst="orthographicFront"/>
+      <a:lightRig rig="threePt" dir="t"/>
+    </dgm:scene3d>
+    <dgm:sp3d/>
+    <dgm:txPr/>
+    <dgm:style>
+      <a:lnRef idx="0">
+        <a:scrgbClr r="0" g="0" b="0"/>
+      </a:lnRef>
+      <a:fillRef idx="3">
+        <a:scrgbClr r="0" g="0" b="0"/>
+      </a:fillRef>
+      <a:effectRef idx="2">
+        <a:scrgbClr r="0" g="0" b="0"/>
+      </a:effectRef>
+      <a:fontRef idx="minor">
+        <a:schemeClr val="lt1"/>
+      </a:fontRef>
+    </dgm:style>
+  </dgm:styleLbl>
+  <dgm:styleLbl name="node3">
+    <dgm:scene3d>
+      <a:camera prst="orthographicFront"/>
+      <a:lightRig rig="threePt" dir="t"/>
+    </dgm:scene3d>
+    <dgm:sp3d/>
+    <dgm:txPr/>
+    <dgm:style>
+      <a:lnRef idx="0">
+        <a:scrgbClr r="0" g="0" b="0"/>
+      </a:lnRef>
+      <a:fillRef idx="3">
+        <a:scrgbClr r="0" g="0" b="0"/>
+      </a:fillRef>
+      <a:effectRef idx="2">
+        <a:scrgbClr r="0" g="0" b="0"/>
+      </a:effectRef>
+      <a:fontRef idx="minor">
+        <a:schemeClr val="lt1"/>
+      </a:fontRef>
+    </dgm:style>
+  </dgm:styleLbl>
+  <dgm:styleLbl name="node4">
+    <dgm:scene3d>
+      <a:camera prst="orthographicFront"/>
+      <a:lightRig rig="threePt" dir="t"/>
+    </dgm:scene3d>
+    <dgm:sp3d/>
+    <dgm:txPr/>
+    <dgm:style>
+      <a:lnRef idx="0">
+        <a:scrgbClr r="0" g="0" b="0"/>
+      </a:lnRef>
+      <a:fillRef idx="3">
+        <a:scrgbClr r="0" g="0" b="0"/>
+      </a:fillRef>
+      <a:effectRef idx="2">
+        <a:scrgbClr r="0" g="0" b="0"/>
+      </a:effectRef>
+      <a:fontRef idx="minor">
+        <a:schemeClr val="lt1"/>
+      </a:fontRef>
+    </dgm:style>
+  </dgm:styleLbl>
+  <dgm:styleLbl name="fgImgPlace1">
+    <dgm:scene3d>
+      <a:camera prst="orthographicFront"/>
+      <a:lightRig rig="threePt" dir="t"/>
+    </dgm:scene3d>
+    <dgm:sp3d/>
+    <dgm:txPr/>
+    <dgm:style>
+      <a:lnRef idx="0">
+        <a:scrgbClr r="0" g="0" b="0"/>
+      </a:lnRef>
+      <a:fillRef idx="1">
+        <a:scrgbClr r="0" g="0" b="0"/>
+      </a:fillRef>
+      <a:effectRef idx="2">
+        <a:scrgbClr r="0" g="0" b="0"/>
+      </a:effectRef>
+      <a:fontRef idx="minor"/>
+    </dgm:style>
+  </dgm:styleLbl>
+  <dgm:styleLbl name="alignImgPlace1">
+    <dgm:scene3d>
+      <a:camera prst="orthographicFront"/>
+      <a:lightRig rig="threePt" dir="t"/>
+    </dgm:scene3d>
+    <dgm:sp3d/>
+    <dgm:txPr/>
+    <dgm:style>
+      <a:lnRef idx="0">
+        <a:scrgbClr r="0" g="0" b="0"/>
+      </a:lnRef>
+      <a:fillRef idx="1">
+        <a:scrgbClr r="0" g="0" b="0"/>
+      </a:fillRef>
+      <a:effectRef idx="2">
+        <a:scrgbClr r="0" g="0" b="0"/>
+      </a:effectRef>
+      <a:fontRef idx="minor"/>
+    </dgm:style>
+  </dgm:styleLbl>
+  <dgm:styleLbl name="bgImgPlace1">
+    <dgm:scene3d>
+      <a:camera prst="orthographicFront"/>
+      <a:lightRig rig="threePt" dir="t"/>
+    </dgm:scene3d>
+    <dgm:sp3d/>
+    <dgm:txPr/>
+    <dgm:style>
+      <a:lnRef idx="0">
+        <a:scrgbClr r="0" g="0" b="0"/>
+      </a:lnRef>
+      <a:fillRef idx="1">
+        <a:scrgbClr r="0" g="0" b="0"/>
+      </a:fillRef>
+      <a:effectRef idx="2">
+        <a:scrgbClr r="0" g="0" b="0"/>
+      </a:effectRef>
+      <a:fontRef idx="minor"/>
+    </dgm:style>
+  </dgm:styleLbl>
+  <dgm:styleLbl name="sibTrans2D1">
+    <dgm:scene3d>
+      <a:camera prst="orthographicFront"/>
+      <a:lightRig rig="threePt" dir="t"/>
+    </dgm:scene3d>
+    <dgm:sp3d/>
+    <dgm:txPr/>
+    <dgm:style>
+      <a:lnRef idx="0">
+        <a:scrgbClr r="0" g="0" b="0"/>
+      </a:lnRef>
+      <a:fillRef idx="3">
+        <a:scrgbClr r="0" g="0" b="0"/>
+      </a:fillRef>
+      <a:effectRef idx="2">
+        <a:scrgbClr r="0" g="0" b="0"/>
+      </a:effectRef>
+      <a:fontRef idx="minor">
+        <a:schemeClr val="lt1"/>
+      </a:fontRef>
+    </dgm:style>
+  </dgm:styleLbl>
+  <dgm:styleLbl name="fgSibTrans2D1">
+    <dgm:scene3d>
+      <a:camera prst="orthographicFront"/>
+      <a:lightRig rig="threePt" dir="t"/>
+    </dgm:scene3d>
+    <dgm:sp3d/>
+    <dgm:txPr/>
+    <dgm:style>
+      <a:lnRef idx="0">
+        <a:scrgbClr r="0" g="0" b="0"/>
+      </a:lnRef>
+      <a:fillRef idx="3">
+        <a:scrgbClr r="0" g="0" b="0"/>
+      </a:fillRef>
+      <a:effectRef idx="2">
+        <a:scrgbClr r="0" g="0" b="0"/>
+      </a:effectRef>
+      <a:fontRef idx="minor">
+        <a:schemeClr val="lt1"/>
+      </a:fontRef>
+    </dgm:style>
+  </dgm:styleLbl>
+  <dgm:styleLbl name="bgSibTrans2D1">
+    <dgm:scene3d>
+      <a:camera prst="orthographicFront"/>
+      <a:lightRig rig="threePt" dir="t"/>
+    </dgm:scene3d>
+    <dgm:sp3d/>
+    <dgm:txPr/>
+    <dgm:style>
+      <a:lnRef idx="0">
+        <a:scrgbClr r="0" g="0" b="0"/>
+      </a:lnRef>
+      <a:fillRef idx="3">
+        <a:scrgbClr r="0" g="0" b="0"/>
+      </a:fillRef>
+      <a:effectRef idx="2">
+        <a:scrgbClr r="0" g="0" b="0"/>
+      </a:effectRef>
+      <a:fontRef idx="minor">
+        <a:schemeClr val="lt1"/>
+      </a:fontRef>
+    </dgm:style>
+  </dgm:styleLbl>
+  <dgm:styleLbl name="sibTrans1D1">
+    <dgm:scene3d>
+      <a:camera prst="orthographicFront"/>
+      <a:lightRig rig="threePt" dir="t"/>
+    </dgm:scene3d>
+    <dgm:sp3d/>
+    <dgm:txPr/>
+    <dgm:style>
+      <a:lnRef idx="1">
+        <a:scrgbClr r="0" g="0" b="0"/>
+      </a:lnRef>
+      <a:fillRef idx="0">
+        <a:scrgbClr r="0" g="0" b="0"/>
+      </a:fillRef>
+      <a:effectRef idx="0">
+        <a:scrgbClr r="0" g="0" b="0"/>
+      </a:effectRef>
+      <a:fontRef idx="minor"/>
+    </dgm:style>
+  </dgm:styleLbl>
+  <dgm:styleLbl name="callout">
+    <dgm:scene3d>
+      <a:camera prst="orthographicFront"/>
+      <a:lightRig rig="threePt" dir="t"/>
+    </dgm:scene3d>
+    <dgm:sp3d/>
+    <dgm:txPr/>
+    <dgm:style>
+      <a:lnRef idx="2">
+        <a:scrgbClr r="0" g="0" b="0"/>
+      </a:lnRef>
+      <a:fillRef idx="1">
+        <a:scrgbClr r="0" g="0" b="0"/>
+      </a:fillRef>
+      <a:effectRef idx="1">
+        <a:scrgbClr r="0" g="0" b="0"/>
+      </a:effectRef>
+      <a:fontRef idx="minor"/>
+    </dgm:style>
+  </dgm:styleLbl>
+  <dgm:styleLbl name="asst0">
+    <dgm:scene3d>
+      <a:camera prst="orthographicFront"/>
+      <a:lightRig rig="threePt" dir="t"/>
+    </dgm:scene3d>
+    <dgm:sp3d/>
+    <dgm:txPr/>
+    <dgm:style>
+      <a:lnRef idx="0">
+        <a:scrgbClr r="0" g="0" b="0"/>
+      </a:lnRef>
+      <a:fillRef idx="3">
+        <a:scrgbClr r="0" g="0" b="0"/>
+      </a:fillRef>
+      <a:effectRef idx="2">
+        <a:scrgbClr r="0" g="0" b="0"/>
+      </a:effectRef>
+      <a:fontRef idx="minor">
+        <a:schemeClr val="lt1"/>
+      </a:fontRef>
+    </dgm:style>
+  </dgm:styleLbl>
+  <dgm:styleLbl name="asst1">
+    <dgm:scene3d>
+      <a:camera prst="orthographicFront"/>
+      <a:lightRig rig="threePt" dir="t"/>
+    </dgm:scene3d>
+    <dgm:sp3d/>
+    <dgm:txPr/>
+    <dgm:style>
+      <a:lnRef idx="0">
+        <a:scrgbClr r="0" g="0" b="0"/>
+      </a:lnRef>
+      <a:fillRef idx="3">
+        <a:scrgbClr r="0" g="0" b="0"/>
+      </a:fillRef>
+      <a:effectRef idx="2">
+        <a:scrgbClr r="0" g="0" b="0"/>
+      </a:effectRef>
+      <a:fontRef idx="minor">
+        <a:schemeClr val="lt1"/>
+      </a:fontRef>
+    </dgm:style>
+  </dgm:styleLbl>
+  <dgm:styleLbl name="asst2">
+    <dgm:scene3d>
+      <a:camera prst="orthographicFront"/>
+      <a:lightRig rig="threePt" dir="t"/>
+    </dgm:scene3d>
+    <dgm:sp3d/>
+    <dgm:txPr/>
+    <dgm:style>
+      <a:lnRef idx="0">
+        <a:scrgbClr r="0" g="0" b="0"/>
+      </a:lnRef>
+      <a:fillRef idx="3">
+        <a:scrgbClr r="0" g="0" b="0"/>
+      </a:fillRef>
+      <a:effectRef idx="2">
+        <a:scrgbClr r="0" g="0" b="0"/>
+      </a:effectRef>
+      <a:fontRef idx="minor">
+        <a:schemeClr val="lt1"/>
+      </a:fontRef>
+    </dgm:style>
+  </dgm:styleLbl>
+  <dgm:styleLbl name="asst3">
+    <dgm:scene3d>
+      <a:camera prst="orthographicFront"/>
+      <a:lightRig rig="threePt" dir="t"/>
+    </dgm:scene3d>
+    <dgm:sp3d/>
+    <dgm:txPr/>
+    <dgm:style>
+      <a:lnRef idx="0">
+        <a:scrgbClr r="0" g="0" b="0"/>
+      </a:lnRef>
+      <a:fillRef idx="3">
+        <a:scrgbClr r="0" g="0" b="0"/>
+      </a:fillRef>
+      <a:effectRef idx="2">
+        <a:scrgbClr r="0" g="0" b="0"/>
+      </a:effectRef>
+      <a:fontRef idx="minor">
+        <a:schemeClr val="lt1"/>
+      </a:fontRef>
+    </dgm:style>
+  </dgm:styleLbl>
+  <dgm:styleLbl name="asst4">
+    <dgm:scene3d>
+      <a:camera prst="orthographicFront"/>
+      <a:lightRig rig="threePt" dir="t"/>
+    </dgm:scene3d>
+    <dgm:sp3d/>
+    <dgm:txPr/>
+    <dgm:style>
+      <a:lnRef idx="0">
+        <a:scrgbClr r="0" g="0" b="0"/>
+      </a:lnRef>
+      <a:fillRef idx="3">
+        <a:scrgbClr r="0" g="0" b="0"/>
+      </a:fillRef>
+      <a:effectRef idx="2">
+        <a:scrgbClr r="0" g="0" b="0"/>
+      </a:effectRef>
+      <a:fontRef idx="minor">
+        <a:schemeClr val="lt1"/>
+      </a:fontRef>
+    </dgm:style>
+  </dgm:styleLbl>
+  <dgm:styleLbl name="parChTrans2D1">
+    <dgm:scene3d>
+      <a:camera prst="orthographicFront"/>
+      <a:lightRig rig="threePt" dir="t"/>
+    </dgm:scene3d>
+    <dgm:sp3d/>
+    <dgm:txPr/>
+    <dgm:style>
+      <a:lnRef idx="0">
+        <a:scrgbClr r="0" g="0" b="0"/>
+      </a:lnRef>
+      <a:fillRef idx="3">
+        <a:scrgbClr r="0" g="0" b="0"/>
+      </a:fillRef>
+      <a:effectRef idx="2">
+        <a:scrgbClr r="0" g="0" b="0"/>
+      </a:effectRef>
+      <a:fontRef idx="minor">
+        <a:schemeClr val="lt1"/>
+      </a:fontRef>
+    </dgm:style>
+  </dgm:styleLbl>
+  <dgm:styleLbl name="parChTrans2D2">
+    <dgm:scene3d>
+      <a:camera prst="orthographicFront"/>
+      <a:lightRig rig="threePt" dir="t"/>
+    </dgm:scene3d>
+    <dgm:sp3d/>
+    <dgm:txPr/>
+    <dgm:style>
+      <a:lnRef idx="0">
+        <a:scrgbClr r="0" g="0" b="0"/>
+      </a:lnRef>
+      <a:fillRef idx="3">
+        <a:scrgbClr r="0" g="0" b="0"/>
+      </a:fillRef>
+      <a:effectRef idx="2">
+        <a:scrgbClr r="0" g="0" b="0"/>
+      </a:effectRef>
+      <a:fontRef idx="minor">
+        <a:schemeClr val="lt1"/>
+      </a:fontRef>
+    </dgm:style>
+  </dgm:styleLbl>
+  <dgm:styleLbl name="parChTrans2D3">
+    <dgm:scene3d>
+      <a:camera prst="orthographicFront"/>
+      <a:lightRig rig="threePt" dir="t"/>
+    </dgm:scene3d>
+    <dgm:sp3d/>
+    <dgm:txPr/>
+    <dgm:style>
+      <a:lnRef idx="1">
+        <a:scrgbClr r="0" g="0" b="0"/>
+      </a:lnRef>
+      <a:fillRef idx="3">
+        <a:scrgbClr r="0" g="0" b="0"/>
+      </a:fillRef>
+      <a:effectRef idx="2">
+        <a:scrgbClr r="0" g="0" b="0"/>
+      </a:effectRef>
+      <a:fontRef idx="minor">
+        <a:schemeClr val="lt1"/>
+      </a:fontRef>
+    </dgm:style>
+  </dgm:styleLbl>
+  <dgm:styleLbl name="parChTrans2D4">
+    <dgm:scene3d>
+      <a:camera prst="orthographicFront"/>
+      <a:lightRig rig="threePt" dir="t"/>
+    </dgm:scene3d>
+    <dgm:sp3d/>
+    <dgm:txPr/>
+    <dgm:style>
+      <a:lnRef idx="1">
+        <a:scrgbClr r="0" g="0" b="0"/>
+      </a:lnRef>
+      <a:fillRef idx="3">
+        <a:scrgbClr r="0" g="0" b="0"/>
+      </a:fillRef>
+      <a:effectRef idx="2">
+        <a:scrgbClr r="0" g="0" b="0"/>
+      </a:effectRef>
+      <a:fontRef idx="minor">
+        <a:schemeClr val="lt1"/>
+      </a:fontRef>
+    </dgm:style>
+  </dgm:styleLbl>
+  <dgm:styleLbl name="parChTrans1D1">
+    <dgm:scene3d>
+      <a:camera prst="orthographicFront"/>
+      <a:lightRig rig="threePt" dir="t"/>
+    </dgm:scene3d>
+    <dgm:sp3d/>
+    <dgm:txPr/>
+    <dgm:style>
+      <a:lnRef idx="1">
+        <a:scrgbClr r="0" g="0" b="0"/>
+      </a:lnRef>
+      <a:fillRef idx="0">
+        <a:scrgbClr r="0" g="0" b="0"/>
+      </a:fillRef>
+      <a:effectRef idx="0">
+        <a:scrgbClr r="0" g="0" b="0"/>
+      </a:effectRef>
+      <a:fontRef idx="minor"/>
+    </dgm:style>
+  </dgm:styleLbl>
+  <dgm:styleLbl name="parChTrans1D2">
+    <dgm:scene3d>
+      <a:camera prst="orthographicFront"/>
+      <a:lightRig rig="threePt" dir="t"/>
+    </dgm:scene3d>
+    <dgm:sp3d/>
+    <dgm:txPr/>
+    <dgm:style>
+      <a:lnRef idx="1">
+        <a:scrgbClr r="0" g="0" b="0"/>
+      </a:lnRef>
+      <a:fillRef idx="0">
+        <a:scrgbClr r="0" g="0" b="0"/>
+      </a:fillRef>
+      <a:effectRef idx="0">
+        <a:scrgbClr r="0" g="0" b="0"/>
+      </a:effectRef>
+      <a:fontRef idx="minor"/>
+    </dgm:style>
+  </dgm:styleLbl>
+  <dgm:styleLbl name="parChTrans1D3">
+    <dgm:scene3d>
+      <a:camera prst="orthographicFront"/>
+      <a:lightRig rig="threePt" dir="t"/>
+    </dgm:scene3d>
+    <dgm:sp3d/>
+    <dgm:txPr/>
+    <dgm:style>
+      <a:lnRef idx="1">
+        <a:scrgbClr r="0" g="0" b="0"/>
+      </a:lnRef>
+      <a:fillRef idx="0">
+        <a:scrgbClr r="0" g="0" b="0"/>
+      </a:fillRef>
+      <a:effectRef idx="0">
+        <a:scrgbClr r="0" g="0" b="0"/>
+      </a:effectRef>
+      <a:fontRef idx="minor"/>
+    </dgm:style>
+  </dgm:styleLbl>
+  <dgm:styleLbl name="parChTrans1D4">
+    <dgm:scene3d>
+      <a:camera prst="orthographicFront"/>
+      <a:lightRig rig="threePt" dir="t"/>
+    </dgm:scene3d>
+    <dgm:sp3d/>
+    <dgm:txPr/>
+    <dgm:style>
+      <a:lnRef idx="1">
+        <a:scrgbClr r="0" g="0" b="0"/>
+      </a:lnRef>
+      <a:fillRef idx="0">
+        <a:scrgbClr r="0" g="0" b="0"/>
+      </a:fillRef>
+      <a:effectRef idx="0">
+        <a:scrgbClr r="0" g="0" b="0"/>
+      </a:effectRef>
+      <a:fontRef idx="minor"/>
+    </dgm:style>
+  </dgm:styleLbl>
+  <dgm:styleLbl name="fgAcc1">
+    <dgm:scene3d>
+      <a:camera prst="orthographicFront"/>
+      <a:lightRig rig="threePt" dir="t"/>
+    </dgm:scene3d>
+    <dgm:sp3d/>
+    <dgm:txPr/>
+    <dgm:style>
+      <a:lnRef idx="1">
+        <a:scrgbClr r="0" g="0" b="0"/>
+      </a:lnRef>
+      <a:fillRef idx="1">
+        <a:scrgbClr r="0" g="0" b="0"/>
+      </a:fillRef>
+      <a:effectRef idx="0">
+        <a:scrgbClr r="0" g="0" b="0"/>
+      </a:effectRef>
+      <a:fontRef idx="minor"/>
+    </dgm:style>
+  </dgm:styleLbl>
+  <dgm:styleLbl name="conFgAcc1">
+    <dgm:scene3d>
+      <a:camera prst="orthographicFront"/>
+      <a:lightRig rig="threePt" dir="t"/>
+    </dgm:scene3d>
+    <dgm:sp3d/>
+    <dgm:txPr/>
+    <dgm:style>
+      <a:lnRef idx="1">
+        <a:scrgbClr r="0" g="0" b="0"/>
+      </a:lnRef>
+      <a:fillRef idx="1">
+        <a:scrgbClr r="0" g="0" b="0"/>
+      </a:fillRef>
+      <a:effectRef idx="0">
+        <a:scrgbClr r="0" g="0" b="0"/>
+      </a:effectRef>
+      <a:fontRef idx="minor"/>
+    </dgm:style>
+  </dgm:styleLbl>
+  <dgm:styleLbl name="alignAcc1">
+    <dgm:scene3d>
+      <a:camera prst="orthographicFront"/>
+      <a:lightRig rig="threePt" dir="t"/>
+    </dgm:scene3d>
+    <dgm:sp3d/>
+    <dgm:txPr/>
+    <dgm:style>
+      <a:lnRef idx="1">
+        <a:scrgbClr r="0" g="0" b="0"/>
+      </a:lnRef>
+      <a:fillRef idx="1">
+        <a:scrgbClr r="0" g="0" b="0"/>
+      </a:fillRef>
+      <a:effectRef idx="0">
+        <a:scrgbClr r="0" g="0" b="0"/>
+      </a:effectRef>
+      <a:fontRef idx="minor"/>
+    </dgm:style>
+  </dgm:styleLbl>
+  <dgm:styleLbl name="trAlignAcc1">
+    <dgm:scene3d>
+      <a:camera prst="orthographicFront"/>
+      <a:lightRig rig="threePt" dir="t"/>
+    </dgm:scene3d>
+    <dgm:sp3d/>
+    <dgm:txPr/>
+    <dgm:style>
+      <a:lnRef idx="1">
+        <a:scrgbClr r="0" g="0" b="0"/>
+      </a:lnRef>
+      <a:fillRef idx="1">
+        <a:scrgbClr r="0" g="0" b="0"/>
+      </a:fillRef>
+      <a:effectRef idx="0">
+        <a:scrgbClr r="0" g="0" b="0"/>
+      </a:effectRef>
+      <a:fontRef idx="minor"/>
+    </dgm:style>
+  </dgm:styleLbl>
+  <dgm:styleLbl name="bgAcc1">
+    <dgm:scene3d>
+      <a:camera prst="orthographicFront"/>
+      <a:lightRig rig="threePt" dir="t"/>
+    </dgm:scene3d>
+    <dgm:sp3d/>
+    <dgm:txPr/>
+    <dgm:style>
+      <a:lnRef idx="1">
+        <a:scrgbClr r="0" g="0" b="0"/>
+      </a:lnRef>
+      <a:fillRef idx="1">
+        <a:scrgbClr r="0" g="0" b="0"/>
+      </a:fillRef>
+      <a:effectRef idx="0">
+        <a:scrgbClr r="0" g="0" b="0"/>
+      </a:effectRef>
+      <a:fontRef idx="minor"/>
+    </dgm:style>
+  </dgm:styleLbl>
+  <dgm:styleLbl name="solidFgAcc1">
+    <dgm:scene3d>
+      <a:camera prst="orthographicFront"/>
+      <a:lightRig rig="threePt" dir="t"/>
+    </dgm:scene3d>
+    <dgm:sp3d/>
+    <dgm:txPr/>
+    <dgm:style>
+      <a:lnRef idx="1">
+        <a:scrgbClr r="0" g="0" b="0"/>
+      </a:lnRef>
+      <a:fillRef idx="1">
+        <a:scrgbClr r="0" g="0" b="0"/>
+      </a:fillRef>
+      <a:effectRef idx="0">
+        <a:scrgbClr r="0" g="0" b="0"/>
+      </a:effectRef>
+      <a:fontRef idx="minor"/>
+    </dgm:style>
+  </dgm:styleLbl>
+  <dgm:styleLbl name="solidAlignAcc1">
+    <dgm:scene3d>
+      <a:camera prst="orthographicFront"/>
+      <a:lightRig rig="threePt" dir="t"/>
+    </dgm:scene3d>
+    <dgm:sp3d/>
+    <dgm:txPr/>
+    <dgm:style>
+      <a:lnRef idx="1">
+        <a:scrgbClr r="0" g="0" b="0"/>
+      </a:lnRef>
+      <a:fillRef idx="1">
+        <a:scrgbClr r="0" g="0" b="0"/>
+      </a:fillRef>
+      <a:effectRef idx="0">
+        <a:scrgbClr r="0" g="0" b="0"/>
+      </a:effectRef>
+      <a:fontRef idx="minor"/>
+    </dgm:style>
+  </dgm:styleLbl>
+  <dgm:styleLbl name="solidBgAcc1">
+    <dgm:scene3d>
+      <a:camera prst="orthographicFront"/>
+      <a:lightRig rig="threePt" dir="t"/>
+    </dgm:scene3d>
+    <dgm:sp3d/>
+    <dgm:txPr/>
+    <dgm:style>
+      <a:lnRef idx="1">
+        <a:scrgbClr r="0" g="0" b="0"/>
+      </a:lnRef>
+      <a:fillRef idx="1">
+        <a:scrgbClr r="0" g="0" b="0"/>
+      </a:fillRef>
+      <a:effectRef idx="0">
+        <a:scrgbClr r="0" g="0" b="0"/>
+      </a:effectRef>
+      <a:fontRef idx="minor"/>
+    </dgm:style>
+  </dgm:styleLbl>
+  <dgm:styleLbl name="fgAccFollowNode1">
+    <dgm:scene3d>
+      <a:camera prst="orthographicFront"/>
+      <a:lightRig rig="threePt" dir="t"/>
+    </dgm:scene3d>
+    <dgm:sp3d/>
+    <dgm:txPr/>
+    <dgm:style>
+      <a:lnRef idx="1">
+        <a:scrgbClr r="0" g="0" b="0"/>
+      </a:lnRef>
+      <a:fillRef idx="1">
+        <a:scrgbClr r="0" g="0" b="0"/>
+      </a:fillRef>
+      <a:effectRef idx="0">
+        <a:scrgbClr r="0" g="0" b="0"/>
+      </a:effectRef>
+      <a:fontRef idx="minor"/>
+    </dgm:style>
+  </dgm:styleLbl>
+  <dgm:styleLbl name="alignAccFollowNode1">
+    <dgm:scene3d>
+      <a:camera prst="orthographicFront"/>
+      <a:lightRig rig="threePt" dir="t"/>
+    </dgm:scene3d>
+    <dgm:sp3d/>
+    <dgm:txPr/>
+    <dgm:style>
+      <a:lnRef idx="1">
+        <a:scrgbClr r="0" g="0" b="0"/>
+      </a:lnRef>
+      <a:fillRef idx="1">
+        <a:scrgbClr r="0" g="0" b="0"/>
+      </a:fillRef>
+      <a:effectRef idx="0">
+        <a:scrgbClr r="0" g="0" b="0"/>
+      </a:effectRef>
+      <a:fontRef idx="minor"/>
+    </dgm:style>
+  </dgm:styleLbl>
+  <dgm:styleLbl name="bgAccFollowNode1">
+    <dgm:scene3d>
+      <a:camera prst="orthographicFront"/>
+      <a:lightRig rig="threePt" dir="t"/>
+    </dgm:scene3d>
+    <dgm:sp3d/>
+    <dgm:txPr/>
+    <dgm:style>
+      <a:lnRef idx="1">
+        <a:scrgbClr r="0" g="0" b="0"/>
+      </a:lnRef>
+      <a:fillRef idx="1">
+        <a:scrgbClr r="0" g="0" b="0"/>
+      </a:fillRef>
+      <a:effectRef idx="0">
+        <a:scrgbClr r="0" g="0" b="0"/>
+      </a:effectRef>
+      <a:fontRef idx="minor"/>
+    </dgm:style>
+  </dgm:styleLbl>
+  <dgm:styleLbl name="fgAcc0">
+    <dgm:scene3d>
+      <a:camera prst="orthographicFront"/>
+      <a:lightRig rig="threePt" dir="t"/>
+    </dgm:scene3d>
+    <dgm:sp3d/>
+    <dgm:txPr/>
+    <dgm:style>
+      <a:lnRef idx="1">
+        <a:scrgbClr r="0" g="0" b="0"/>
+      </a:lnRef>
+      <a:fillRef idx="1">
+        <a:scrgbClr r="0" g="0" b="0"/>
+      </a:fillRef>
+      <a:effectRef idx="0">
+        <a:scrgbClr r="0" g="0" b="0"/>
+      </a:effectRef>
+      <a:fontRef idx="minor"/>
+    </dgm:style>
+  </dgm:styleLbl>
+  <dgm:styleLbl name="fgAcc2">
+    <dgm:scene3d>
+      <a:camera prst="orthographicFront"/>
+      <a:lightRig rig="threePt" dir="t"/>
+    </dgm:scene3d>
+    <dgm:sp3d/>
+    <dgm:txPr/>
+    <dgm:style>
+      <a:lnRef idx="1">
+        <a:scrgbClr r="0" g="0" b="0"/>
+      </a:lnRef>
+      <a:fillRef idx="1">
+        <a:scrgbClr r="0" g="0" b="0"/>
+      </a:fillRef>
+      <a:effectRef idx="0">
+        <a:scrgbClr r="0" g="0" b="0"/>
+      </a:effectRef>
+      <a:fontRef idx="minor"/>
+    </dgm:style>
+  </dgm:styleLbl>
+  <dgm:styleLbl name="fgAcc3">
+    <dgm:scene3d>
+      <a:camera prst="orthographicFront"/>
+      <a:lightRig rig="threePt" dir="t"/>
+    </dgm:scene3d>
+    <dgm:sp3d/>
+    <dgm:txPr/>
+    <dgm:style>
+      <a:lnRef idx="1">
+        <a:scrgbClr r="0" g="0" b="0"/>
+      </a:lnRef>
+      <a:fillRef idx="1">
+        <a:scrgbClr r="0" g="0" b="0"/>
+      </a:fillRef>
+      <a:effectRef idx="0">
+        <a:scrgbClr r="0" g="0" b="0"/>
+      </a:effectRef>
+      <a:fontRef idx="minor"/>
+    </dgm:style>
+  </dgm:styleLbl>
+  <dgm:styleLbl name="fgAcc4">
+    <dgm:scene3d>
+      <a:camera prst="orthographicFront"/>
+      <a:lightRig rig="threePt" dir="t"/>
+    </dgm:scene3d>
+    <dgm:sp3d/>
+    <dgm:txPr/>
+    <dgm:style>
+      <a:lnRef idx="1">
+        <a:scrgbClr r="0" g="0" b="0"/>
+      </a:lnRef>
+      <a:fillRef idx="1">
+        <a:scrgbClr r="0" g="0" b="0"/>
+      </a:fillRef>
+      <a:effectRef idx="0">
+        <a:scrgbClr r="0" g="0" b="0"/>
+      </a:effectRef>
+      <a:fontRef idx="minor"/>
+    </dgm:style>
+  </dgm:styleLbl>
+  <dgm:styleLbl name="bgShp">
+    <dgm:scene3d>
+      <a:camera prst="orthographicFront"/>
+      <a:lightRig rig="threePt" dir="t"/>
+    </dgm:scene3d>
+    <dgm:sp3d/>
+    <dgm:txPr/>
+    <dgm:style>
+      <a:lnRef idx="0">
+        <a:scrgbClr r="0" g="0" b="0"/>
+      </a:lnRef>
+      <a:fillRef idx="1">
+        <a:scrgbClr r="0" g="0" b="0"/>
+      </a:fillRef>
+      <a:effectRef idx="2">
+        <a:scrgbClr r="0" g="0" b="0"/>
+      </a:effectRef>
+      <a:fontRef idx="minor"/>
+    </dgm:style>
+  </dgm:styleLbl>
+  <dgm:styleLbl name="dkBgShp">
+    <dgm:scene3d>
+      <a:camera prst="orthographicFront"/>
+      <a:lightRig rig="threePt" dir="t"/>
+    </dgm:scene3d>
+    <dgm:sp3d/>
+    <dgm:txPr/>
+    <dgm:style>
+      <a:lnRef idx="0">
+        <a:scrgbClr r="0" g="0" b="0"/>
+      </a:lnRef>
+      <a:fillRef idx="1">
+        <a:scrgbClr r="0" g="0" b="0"/>
+      </a:fillRef>
+      <a:effectRef idx="2">
+        <a:scrgbClr r="0" g="0" b="0"/>
+      </a:effectRef>
+      <a:fontRef idx="minor"/>
+    </dgm:style>
+  </dgm:styleLbl>
+  <dgm:styleLbl name="trBgShp">
+    <dgm:scene3d>
+      <a:camera prst="orthographicFront"/>
+      <a:lightRig rig="threePt" dir="t"/>
+    </dgm:scene3d>
+    <dgm:sp3d/>
+    <dgm:txPr/>
+    <dgm:style>
+      <a:lnRef idx="0">
+        <a:scrgbClr r="0" g="0" b="0"/>
+      </a:lnRef>
+      <a:fillRef idx="1">
+        <a:scrgbClr r="0" g="0" b="0"/>
+      </a:fillRef>
+      <a:effectRef idx="0">
+        <a:scrgbClr r="0" g="0" b="0"/>
+      </a:effectRef>
+      <a:fontRef idx="minor"/>
+    </dgm:style>
+  </dgm:styleLbl>
+  <dgm:styleLbl name="fgShp">
+    <dgm:scene3d>
+      <a:camera prst="orthographicFront"/>
+      <a:lightRig rig="threePt" dir="t"/>
+    </dgm:scene3d>
+    <dgm:sp3d/>
+    <dgm:txPr/>
+    <dgm:style>
+      <a:lnRef idx="0">
+        <a:scrgbClr r="0" g="0" b="0"/>
+      </a:lnRef>
+      <a:fillRef idx="3">
+        <a:scrgbClr r="0" g="0" b="0"/>
+      </a:fillRef>
+      <a:effectRef idx="2">
+        <a:scrgbClr r="0" g="0" b="0"/>
+      </a:effectRef>
+      <a:fontRef idx="minor"/>
+    </dgm:style>
+  </dgm:styleLbl>
+  <dgm:styleLbl name="revTx">
+    <dgm:scene3d>
+      <a:camera prst="orthographicFront"/>
+      <a:lightRig rig="threePt" dir="t"/>
+    </dgm:scene3d>
+    <dgm:sp3d/>
+    <dgm:txPr/>
+    <dgm:style>
+      <a:lnRef idx="0">
+        <a:scrgbClr r="0" g="0" b="0"/>
+      </a:lnRef>
+      <a:fillRef idx="0">
+        <a:scrgbClr r="0" g="0" b="0"/>
+      </a:fillRef>
+      <a:effectRef idx="0">
+        <a:scrgbClr r="0" g="0" b="0"/>
+      </a:effectRef>
+      <a:fontRef idx="minor"/>
+    </dgm:style>
+  </dgm:styleLbl>
+</dgm:styleDef>
+</file>
+
 <file path=ppt/notesMasters/notesMaster1.xml><?xml version="1.0" encoding="utf-8"?>
 <p:notesMaster xmlns:a="http://schemas.openxmlformats.org/drawingml/2006/main" xmlns:r="http://schemas.openxmlformats.org/officeDocument/2006/relationships" xmlns:p="http://schemas.openxmlformats.org/presentationml/2006/main">
   <p:cSld>
@@ -2187,6 +4514,90 @@
 </p:notes>
 </file>
 
+<file path=ppt/notesSlides/notesSlide10.xml><?xml version="1.0" encoding="utf-8"?>
+<p:notes xmlns:a="http://schemas.openxmlformats.org/drawingml/2006/main" xmlns:r="http://schemas.openxmlformats.org/officeDocument/2006/relationships" xmlns:p="http://schemas.openxmlformats.org/presentationml/2006/main">
+  <p:cSld>
+    <p:spTree>
+      <p:nvGrpSpPr>
+        <p:cNvPr id="1" name=""/>
+        <p:cNvGrpSpPr/>
+        <p:nvPr/>
+      </p:nvGrpSpPr>
+      <p:grpSpPr>
+        <a:xfrm>
+          <a:off x="0" y="0"/>
+          <a:ext cx="0" cy="0"/>
+          <a:chOff x="0" y="0"/>
+          <a:chExt cx="0" cy="0"/>
+        </a:xfrm>
+      </p:grpSpPr>
+      <p:sp>
+        <p:nvSpPr>
+          <p:cNvPr id="2" name="Slide Image Placeholder 1"/>
+          <p:cNvSpPr>
+            <a:spLocks noGrp="1" noRot="1" noChangeAspect="1"/>
+          </p:cNvSpPr>
+          <p:nvPr>
+            <p:ph type="sldImg"/>
+          </p:nvPr>
+        </p:nvSpPr>
+        <p:spPr/>
+      </p:sp>
+      <p:sp>
+        <p:nvSpPr>
+          <p:cNvPr id="3" name="Notes Placeholder 2"/>
+          <p:cNvSpPr>
+            <a:spLocks noGrp="1"/>
+          </p:cNvSpPr>
+          <p:nvPr>
+            <p:ph type="body" idx="1"/>
+          </p:nvPr>
+        </p:nvSpPr>
+        <p:spPr/>
+        <p:txBody>
+          <a:bodyPr/>
+          <a:lstStyle/>
+          <a:p>
+            <a:endParaRPr lang="en-US" dirty="0"/>
+          </a:p>
+        </p:txBody>
+      </p:sp>
+      <p:sp>
+        <p:nvSpPr>
+          <p:cNvPr id="4" name="Slide Number Placeholder 3"/>
+          <p:cNvSpPr>
+            <a:spLocks noGrp="1"/>
+          </p:cNvSpPr>
+          <p:nvPr>
+            <p:ph type="sldNum" sz="quarter" idx="5"/>
+          </p:nvPr>
+        </p:nvSpPr>
+        <p:spPr/>
+        <p:txBody>
+          <a:bodyPr/>
+          <a:lstStyle/>
+          <a:p>
+            <a:fld id="{791F1524-C5FD-4370-8A10-5BE52A97A495}" type="slidenum">
+              <a:rPr lang="en-US" smtClean="0"/>
+              <a:t>16</a:t>
+            </a:fld>
+            <a:endParaRPr lang="en-US"/>
+          </a:p>
+        </p:txBody>
+      </p:sp>
+    </p:spTree>
+    <p:extLst>
+      <p:ext uri="{BB962C8B-B14F-4D97-AF65-F5344CB8AC3E}">
+        <p14:creationId xmlns:p14="http://schemas.microsoft.com/office/powerpoint/2010/main" val="3603489253"/>
+      </p:ext>
+    </p:extLst>
+  </p:cSld>
+  <p:clrMapOvr>
+    <a:masterClrMapping/>
+  </p:clrMapOvr>
+</p:notes>
+</file>
+
 <file path=ppt/notesSlides/notesSlide2.xml><?xml version="1.0" encoding="utf-8"?>
 <p:notes xmlns:a="http://schemas.openxmlformats.org/drawingml/2006/main" xmlns:r="http://schemas.openxmlformats.org/officeDocument/2006/relationships" xmlns:p="http://schemas.openxmlformats.org/presentationml/2006/main">
   <p:cSld>
@@ -2657,10 +5068,7 @@
           <a:bodyPr/>
           <a:lstStyle/>
           <a:p>
-            <a:r>
-              <a:rPr lang="en-US" dirty="0"/>
-              <a:t>https://machinelearningmastery.com/how-to-improve-neural-network-stability-and-modeling-performance-with-data-scaling/</a:t>
-            </a:r>
+            <a:endParaRPr lang="en-US" dirty="0"/>
           </a:p>
         </p:txBody>
       </p:sp>
@@ -2681,7 +5089,7 @@
           <a:p>
             <a:fld id="{791F1524-C5FD-4370-8A10-5BE52A97A495}" type="slidenum">
               <a:rPr lang="en-US" smtClean="0"/>
-              <a:t>13</a:t>
+              <a:t>10</a:t>
             </a:fld>
             <a:endParaRPr lang="en-US"/>
           </a:p>
@@ -2690,7 +5098,7 @@
     </p:spTree>
     <p:extLst>
       <p:ext uri="{BB962C8B-B14F-4D97-AF65-F5344CB8AC3E}">
-        <p14:creationId xmlns:p14="http://schemas.microsoft.com/office/powerpoint/2010/main" val="2785161163"/>
+        <p14:creationId xmlns:p14="http://schemas.microsoft.com/office/powerpoint/2010/main" val="3243538168"/>
       </p:ext>
     </p:extLst>
   </p:cSld>
@@ -2744,7 +5152,10 @@
           <a:bodyPr/>
           <a:lstStyle/>
           <a:p>
-            <a:endParaRPr lang="en-US" dirty="0"/>
+            <a:r>
+              <a:rPr lang="en-US" dirty="0"/>
+              <a:t>https://itnext.io/machine-learning-neural-networks-and-algorithms-4cd27a105b89</a:t>
+            </a:r>
           </a:p>
         </p:txBody>
       </p:sp>
@@ -2765,7 +5176,7 @@
           <a:p>
             <a:fld id="{791F1524-C5FD-4370-8A10-5BE52A97A495}" type="slidenum">
               <a:rPr lang="en-US" smtClean="0"/>
-              <a:t>14</a:t>
+              <a:t>12</a:t>
             </a:fld>
             <a:endParaRPr lang="en-US"/>
           </a:p>
@@ -2774,7 +5185,94 @@
     </p:spTree>
     <p:extLst>
       <p:ext uri="{BB962C8B-B14F-4D97-AF65-F5344CB8AC3E}">
-        <p14:creationId xmlns:p14="http://schemas.microsoft.com/office/powerpoint/2010/main" val="3603489253"/>
+        <p14:creationId xmlns:p14="http://schemas.microsoft.com/office/powerpoint/2010/main" val="1946689909"/>
+      </p:ext>
+    </p:extLst>
+  </p:cSld>
+  <p:clrMapOvr>
+    <a:masterClrMapping/>
+  </p:clrMapOvr>
+</p:notes>
+</file>
+
+<file path=ppt/notesSlides/notesSlide9.xml><?xml version="1.0" encoding="utf-8"?>
+<p:notes xmlns:a="http://schemas.openxmlformats.org/drawingml/2006/main" xmlns:r="http://schemas.openxmlformats.org/officeDocument/2006/relationships" xmlns:p="http://schemas.openxmlformats.org/presentationml/2006/main">
+  <p:cSld>
+    <p:spTree>
+      <p:nvGrpSpPr>
+        <p:cNvPr id="1" name=""/>
+        <p:cNvGrpSpPr/>
+        <p:nvPr/>
+      </p:nvGrpSpPr>
+      <p:grpSpPr>
+        <a:xfrm>
+          <a:off x="0" y="0"/>
+          <a:ext cx="0" cy="0"/>
+          <a:chOff x="0" y="0"/>
+          <a:chExt cx="0" cy="0"/>
+        </a:xfrm>
+      </p:grpSpPr>
+      <p:sp>
+        <p:nvSpPr>
+          <p:cNvPr id="2" name="Slide Image Placeholder 1"/>
+          <p:cNvSpPr>
+            <a:spLocks noGrp="1" noRot="1" noChangeAspect="1"/>
+          </p:cNvSpPr>
+          <p:nvPr>
+            <p:ph type="sldImg"/>
+          </p:nvPr>
+        </p:nvSpPr>
+        <p:spPr/>
+      </p:sp>
+      <p:sp>
+        <p:nvSpPr>
+          <p:cNvPr id="3" name="Notes Placeholder 2"/>
+          <p:cNvSpPr>
+            <a:spLocks noGrp="1"/>
+          </p:cNvSpPr>
+          <p:nvPr>
+            <p:ph type="body" idx="1"/>
+          </p:nvPr>
+        </p:nvSpPr>
+        <p:spPr/>
+        <p:txBody>
+          <a:bodyPr/>
+          <a:lstStyle/>
+          <a:p>
+            <a:r>
+              <a:rPr lang="en-US" dirty="0"/>
+              <a:t>https://machinelearningmastery.com/how-to-improve-neural-network-stability-and-modeling-performance-with-data-scaling/</a:t>
+            </a:r>
+          </a:p>
+        </p:txBody>
+      </p:sp>
+      <p:sp>
+        <p:nvSpPr>
+          <p:cNvPr id="4" name="Slide Number Placeholder 3"/>
+          <p:cNvSpPr>
+            <a:spLocks noGrp="1"/>
+          </p:cNvSpPr>
+          <p:nvPr>
+            <p:ph type="sldNum" sz="quarter" idx="5"/>
+          </p:nvPr>
+        </p:nvSpPr>
+        <p:spPr/>
+        <p:txBody>
+          <a:bodyPr/>
+          <a:lstStyle/>
+          <a:p>
+            <a:fld id="{791F1524-C5FD-4370-8A10-5BE52A97A495}" type="slidenum">
+              <a:rPr lang="en-US" smtClean="0"/>
+              <a:t>15</a:t>
+            </a:fld>
+            <a:endParaRPr lang="en-US"/>
+          </a:p>
+        </p:txBody>
+      </p:sp>
+    </p:spTree>
+    <p:extLst>
+      <p:ext uri="{BB962C8B-B14F-4D97-AF65-F5344CB8AC3E}">
+        <p14:creationId xmlns:p14="http://schemas.microsoft.com/office/powerpoint/2010/main" val="2785161163"/>
       </p:ext>
     </p:extLst>
   </p:cSld>
@@ -6135,6 +8633,14 @@
 <file path=ppt/slides/slide10.xml><?xml version="1.0" encoding="utf-8"?>
 <p:sld xmlns:a="http://schemas.openxmlformats.org/drawingml/2006/main" xmlns:r="http://schemas.openxmlformats.org/officeDocument/2006/relationships" xmlns:p="http://schemas.openxmlformats.org/presentationml/2006/main">
   <p:cSld>
+    <p:bg>
+      <p:bgPr>
+        <a:solidFill>
+          <a:schemeClr val="bg1"/>
+        </a:solidFill>
+        <a:effectLst/>
+      </p:bgPr>
+    </p:bg>
     <p:spTree>
       <p:nvGrpSpPr>
         <p:cNvPr id="1" name=""/>
@@ -6151,6 +8657,67 @@
       </p:grpSpPr>
       <p:sp>
         <p:nvSpPr>
+          <p:cNvPr id="9" name="Rectangle 8">
+            <a:extLst>
+              <a:ext uri="{FF2B5EF4-FFF2-40B4-BE49-F238E27FC236}">
+                <a16:creationId xmlns:a16="http://schemas.microsoft.com/office/drawing/2014/main" id="{1717B8A0-6771-47AF-B5CB-F533399E0EF4}"/>
+              </a:ext>
+              <a:ext uri="{C183D7F6-B498-43B3-948B-1728B52AA6E4}">
+                <adec:decorative xmlns:adec="http://schemas.microsoft.com/office/drawing/2017/decorative" val="1"/>
+              </a:ext>
+            </a:extLst>
+          </p:cNvPr>
+          <p:cNvSpPr>
+            <a:spLocks noGrp="1" noRot="1" noChangeAspect="1" noMove="1" noResize="1" noEditPoints="1" noAdjustHandles="1" noChangeArrowheads="1" noChangeShapeType="1" noTextEdit="1"/>
+          </p:cNvSpPr>
+          <p:nvPr>
+            <p:extLst>
+              <p:ext uri="{386F3935-93C4-4BCD-93E2-E3B085C9AB24}">
+                <p16:designElem xmlns:p16="http://schemas.microsoft.com/office/powerpoint/2015/main" val="1"/>
+              </p:ext>
+            </p:extLst>
+          </p:nvPr>
+        </p:nvSpPr>
+        <p:spPr>
+          <a:xfrm>
+            <a:off x="1" y="0"/>
+            <a:ext cx="4055416" cy="6858000"/>
+          </a:xfrm>
+          <a:prstGeom prst="rect">
+            <a:avLst/>
+          </a:prstGeom>
+          <a:solidFill>
+            <a:schemeClr val="accent1"/>
+          </a:solidFill>
+          <a:ln>
+            <a:noFill/>
+          </a:ln>
+        </p:spPr>
+        <p:style>
+          <a:lnRef idx="0">
+            <a:scrgbClr r="0" g="0" b="0"/>
+          </a:lnRef>
+          <a:fillRef idx="0">
+            <a:scrgbClr r="0" g="0" b="0"/>
+          </a:fillRef>
+          <a:effectRef idx="0">
+            <a:scrgbClr r="0" g="0" b="0"/>
+          </a:effectRef>
+          <a:fontRef idx="minor">
+            <a:schemeClr val="lt1"/>
+          </a:fontRef>
+        </p:style>
+        <p:txBody>
+          <a:bodyPr rtlCol="0" anchor="ctr"/>
+          <a:lstStyle/>
+          <a:p>
+            <a:pPr algn="ctr"/>
+            <a:endParaRPr lang="en-US"/>
+          </a:p>
+        </p:txBody>
+      </p:sp>
+      <p:sp>
+        <p:nvSpPr>
           <p:cNvPr id="2" name="Title 1">
             <a:extLst>
               <a:ext uri="{FF2B5EF4-FFF2-40B4-BE49-F238E27FC236}">
@@ -6165,13 +8732,24 @@
             <p:ph type="title"/>
           </p:nvPr>
         </p:nvSpPr>
-        <p:spPr/>
-        <p:txBody>
-          <a:bodyPr/>
+        <p:spPr>
+          <a:xfrm>
+            <a:off x="566058" y="836023"/>
+            <a:ext cx="2718788" cy="5183777"/>
+          </a:xfrm>
+        </p:spPr>
+        <p:txBody>
+          <a:bodyPr anchor="ctr">
+            <a:normAutofit/>
+          </a:bodyPr>
           <a:lstStyle/>
           <a:p>
             <a:r>
-              <a:rPr lang="en-US" dirty="0"/>
+              <a:rPr lang="en-US" sz="3600">
+                <a:solidFill>
+                  <a:srgbClr val="FFFFFF"/>
+                </a:solidFill>
+              </a:rPr>
               <a:t>Forward and Backward Propagation</a:t>
             </a:r>
           </a:p>
@@ -6179,29 +8757,90 @@
       </p:sp>
       <p:sp>
         <p:nvSpPr>
-          <p:cNvPr id="3" name="Content Placeholder 2">
+          <p:cNvPr id="11" name="Rectangle 10">
             <a:extLst>
               <a:ext uri="{FF2B5EF4-FFF2-40B4-BE49-F238E27FC236}">
-                <a16:creationId xmlns:a16="http://schemas.microsoft.com/office/drawing/2014/main" id="{96983DE1-2FA4-47E6-BF08-FBCB71F27B12}"/>
+                <a16:creationId xmlns:a16="http://schemas.microsoft.com/office/drawing/2014/main" id="{58ACBBC8-C685-44DA-B133-D20A24826D11}"/>
+              </a:ext>
+              <a:ext uri="{C183D7F6-B498-43B3-948B-1728B52AA6E4}">
+                <adec:decorative xmlns:adec="http://schemas.microsoft.com/office/drawing/2017/decorative" val="1"/>
               </a:ext>
             </a:extLst>
           </p:cNvPr>
           <p:cNvSpPr>
-            <a:spLocks noGrp="1"/>
-          </p:cNvSpPr>
+            <a:spLocks noGrp="1" noRot="1" noChangeAspect="1" noMove="1" noResize="1" noEditPoints="1" noAdjustHandles="1" noChangeArrowheads="1" noChangeShapeType="1" noTextEdit="1"/>
+          </p:cNvSpPr>
+          <p:nvPr>
+            <p:extLst>
+              <p:ext uri="{386F3935-93C4-4BCD-93E2-E3B085C9AB24}">
+                <p16:designElem xmlns:p16="http://schemas.microsoft.com/office/powerpoint/2015/main" val="1"/>
+              </p:ext>
+            </p:extLst>
+          </p:nvPr>
+        </p:nvSpPr>
+        <p:spPr>
+          <a:xfrm>
+            <a:off x="11292840" y="0"/>
+            <a:ext cx="914400" cy="6858000"/>
+          </a:xfrm>
+          <a:prstGeom prst="rect">
+            <a:avLst/>
+          </a:prstGeom>
+          <a:solidFill>
+            <a:srgbClr val="303030"/>
+          </a:solidFill>
+          <a:ln>
+            <a:noFill/>
+          </a:ln>
+        </p:spPr>
+        <p:style>
+          <a:lnRef idx="2">
+            <a:schemeClr val="accent1">
+              <a:shade val="50000"/>
+            </a:schemeClr>
+          </a:lnRef>
+          <a:fillRef idx="1">
+            <a:schemeClr val="accent1"/>
+          </a:fillRef>
+          <a:effectRef idx="0">
+            <a:schemeClr val="accent1"/>
+          </a:effectRef>
+          <a:fontRef idx="minor">
+            <a:schemeClr val="lt1"/>
+          </a:fontRef>
+        </p:style>
+      </p:sp>
+      <p:graphicFrame>
+        <p:nvGraphicFramePr>
+          <p:cNvPr id="5" name="Content Placeholder 2">
+            <a:extLst>
+              <a:ext uri="{FF2B5EF4-FFF2-40B4-BE49-F238E27FC236}">
+                <a16:creationId xmlns:a16="http://schemas.microsoft.com/office/drawing/2014/main" id="{B9F8CE07-60D3-4CBD-AE68-7F664D028100}"/>
+              </a:ext>
+            </a:extLst>
+          </p:cNvPr>
+          <p:cNvGraphicFramePr>
+            <a:graphicFrameLocks noGrp="1"/>
+          </p:cNvGraphicFramePr>
           <p:nvPr>
             <p:ph idx="1"/>
-          </p:nvPr>
-        </p:nvSpPr>
-        <p:spPr/>
-        <p:txBody>
-          <a:bodyPr/>
-          <a:lstStyle/>
-          <a:p>
-            <a:endParaRPr lang="en-US" dirty="0"/>
-          </a:p>
-        </p:txBody>
-      </p:sp>
+            <p:extLst>
+              <p:ext uri="{D42A27DB-BD31-4B8C-83A1-F6EECF244321}">
+                <p14:modId xmlns:p14="http://schemas.microsoft.com/office/powerpoint/2010/main" val="4165374105"/>
+              </p:ext>
+            </p:extLst>
+          </p:nvPr>
+        </p:nvGraphicFramePr>
+        <p:xfrm>
+          <a:off x="4658815" y="804672"/>
+          <a:ext cx="5990136" cy="5262054"/>
+        </p:xfrm>
+        <a:graphic>
+          <a:graphicData uri="http://schemas.openxmlformats.org/drawingml/2006/diagram">
+            <dgm:relIds xmlns:dgm="http://schemas.openxmlformats.org/drawingml/2006/diagram" xmlns:r="http://schemas.openxmlformats.org/officeDocument/2006/relationships" r:dm="rId3" r:lo="rId4" r:qs="rId5" r:cs="rId6"/>
+          </a:graphicData>
+        </a:graphic>
+      </p:graphicFrame>
     </p:spTree>
     <p:extLst>
       <p:ext uri="{BB962C8B-B14F-4D97-AF65-F5344CB8AC3E}">
@@ -6237,6 +8876,118 @@
           <p:cNvPr id="2" name="Title 1">
             <a:extLst>
               <a:ext uri="{FF2B5EF4-FFF2-40B4-BE49-F238E27FC236}">
+                <a16:creationId xmlns:a16="http://schemas.microsoft.com/office/drawing/2014/main" id="{261FED7E-5A07-41ED-8F92-B6C44F478453}"/>
+              </a:ext>
+            </a:extLst>
+          </p:cNvPr>
+          <p:cNvSpPr>
+            <a:spLocks noGrp="1"/>
+          </p:cNvSpPr>
+          <p:nvPr>
+            <p:ph type="title"/>
+          </p:nvPr>
+        </p:nvSpPr>
+        <p:spPr/>
+        <p:txBody>
+          <a:bodyPr/>
+          <a:lstStyle/>
+          <a:p>
+            <a:r>
+              <a:rPr lang="en-US" dirty="0"/>
+              <a:t>Questions from Reading</a:t>
+            </a:r>
+          </a:p>
+        </p:txBody>
+      </p:sp>
+      <p:sp>
+        <p:nvSpPr>
+          <p:cNvPr id="3" name="Content Placeholder 2">
+            <a:extLst>
+              <a:ext uri="{FF2B5EF4-FFF2-40B4-BE49-F238E27FC236}">
+                <a16:creationId xmlns:a16="http://schemas.microsoft.com/office/drawing/2014/main" id="{FAB89019-BED8-4FCD-A981-5A23B3AD58BF}"/>
+              </a:ext>
+            </a:extLst>
+          </p:cNvPr>
+          <p:cNvSpPr>
+            <a:spLocks noGrp="1"/>
+          </p:cNvSpPr>
+          <p:nvPr>
+            <p:ph idx="1"/>
+          </p:nvPr>
+        </p:nvSpPr>
+        <p:spPr/>
+        <p:txBody>
+          <a:bodyPr/>
+          <a:lstStyle/>
+          <a:p>
+            <a:pPr marL="342900" indent="-342900">
+              <a:buAutoNum type="arabicPeriod"/>
+            </a:pPr>
+            <a:r>
+              <a:rPr lang="en-US" dirty="0"/>
+              <a:t>In your own words, what is a loss function? Why do we need them?</a:t>
+            </a:r>
+          </a:p>
+          <a:p>
+            <a:pPr marL="342900" indent="-342900">
+              <a:buAutoNum type="arabicPeriod"/>
+            </a:pPr>
+            <a:r>
+              <a:rPr lang="en-US" dirty="0"/>
+              <a:t>What type of loss functions are there? Which one makes the most sense for our diabetes dataset?</a:t>
+            </a:r>
+          </a:p>
+          <a:p>
+            <a:endParaRPr lang="en-US" dirty="0"/>
+          </a:p>
+          <a:p>
+            <a:endParaRPr lang="en-US" dirty="0"/>
+          </a:p>
+        </p:txBody>
+      </p:sp>
+    </p:spTree>
+    <p:extLst>
+      <p:ext uri="{BB962C8B-B14F-4D97-AF65-F5344CB8AC3E}">
+        <p14:creationId xmlns:p14="http://schemas.microsoft.com/office/powerpoint/2010/main" val="1774655327"/>
+      </p:ext>
+    </p:extLst>
+  </p:cSld>
+  <p:clrMapOvr>
+    <a:masterClrMapping/>
+  </p:clrMapOvr>
+</p:sld>
+</file>
+
+<file path=ppt/slides/slide12.xml><?xml version="1.0" encoding="utf-8"?>
+<p:sld xmlns:a="http://schemas.openxmlformats.org/drawingml/2006/main" xmlns:r="http://schemas.openxmlformats.org/officeDocument/2006/relationships" xmlns:p="http://schemas.openxmlformats.org/presentationml/2006/main">
+  <p:cSld>
+    <p:bg>
+      <p:bgPr>
+        <a:solidFill>
+          <a:schemeClr val="bg1"/>
+        </a:solidFill>
+        <a:effectLst/>
+      </p:bgPr>
+    </p:bg>
+    <p:spTree>
+      <p:nvGrpSpPr>
+        <p:cNvPr id="1" name=""/>
+        <p:cNvGrpSpPr/>
+        <p:nvPr/>
+      </p:nvGrpSpPr>
+      <p:grpSpPr>
+        <a:xfrm>
+          <a:off x="0" y="0"/>
+          <a:ext cx="0" cy="0"/>
+          <a:chOff x="0" y="0"/>
+          <a:chExt cx="0" cy="0"/>
+        </a:xfrm>
+      </p:grpSpPr>
+      <p:sp>
+        <p:nvSpPr>
+          <p:cNvPr id="2" name="Title 1">
+            <a:extLst>
+              <a:ext uri="{FF2B5EF4-FFF2-40B4-BE49-F238E27FC236}">
                 <a16:creationId xmlns:a16="http://schemas.microsoft.com/office/drawing/2014/main" id="{3214B103-9A3B-48CB-8FF5-E5FFA82BF844}"/>
               </a:ext>
             </a:extLst>
@@ -6248,18 +8999,70 @@
             <p:ph type="title"/>
           </p:nvPr>
         </p:nvSpPr>
-        <p:spPr/>
-        <p:txBody>
-          <a:bodyPr/>
+        <p:spPr>
+          <a:xfrm>
+            <a:off x="7878675" y="640080"/>
+            <a:ext cx="3075836" cy="1325562"/>
+          </a:xfrm>
+        </p:spPr>
+        <p:txBody>
+          <a:bodyPr>
+            <a:normAutofit/>
+          </a:bodyPr>
           <a:lstStyle/>
           <a:p>
             <a:r>
-              <a:rPr lang="en-US" dirty="0"/>
+              <a:rPr lang="en-US" sz="2700"/>
               <a:t>How do Neural Networks Learn?</a:t>
             </a:r>
           </a:p>
         </p:txBody>
       </p:sp>
+      <p:pic>
+        <p:nvPicPr>
+          <p:cNvPr id="3074" name="Picture 2">
+            <a:extLst>
+              <a:ext uri="{FF2B5EF4-FFF2-40B4-BE49-F238E27FC236}">
+                <a16:creationId xmlns:a16="http://schemas.microsoft.com/office/drawing/2014/main" id="{20AF941E-E149-4308-9480-530E36ED9949}"/>
+              </a:ext>
+            </a:extLst>
+          </p:cNvPr>
+          <p:cNvPicPr>
+            <a:picLocks noChangeAspect="1" noChangeArrowheads="1"/>
+          </p:cNvPicPr>
+          <p:nvPr/>
+        </p:nvPicPr>
+        <p:blipFill rotWithShape="1">
+          <a:blip r:embed="rId3">
+            <a:extLst>
+              <a:ext uri="{28A0092B-C50C-407E-A947-70E740481C1C}">
+                <a14:useLocalDpi xmlns:a14="http://schemas.microsoft.com/office/drawing/2010/main" val="0"/>
+              </a:ext>
+            </a:extLst>
+          </a:blip>
+          <a:srcRect l="14570" t="20618" r="16013" b="10983"/>
+          <a:stretch/>
+        </p:blipFill>
+        <p:spPr bwMode="auto">
+          <a:xfrm>
+            <a:off x="367722" y="1399031"/>
+            <a:ext cx="7357875" cy="4059937"/>
+          </a:xfrm>
+          <a:prstGeom prst="rect">
+            <a:avLst/>
+          </a:prstGeom>
+          <a:noFill/>
+          <a:extLst>
+            <a:ext uri="{909E8E84-426E-40DD-AFC4-6F175D3DCCD1}">
+              <a14:hiddenFill xmlns:a14="http://schemas.microsoft.com/office/drawing/2010/main">
+                <a:solidFill>
+                  <a:srgbClr val="FFFFFF"/>
+                </a:solidFill>
+              </a14:hiddenFill>
+            </a:ext>
+          </a:extLst>
+        </p:spPr>
+      </p:pic>
       <p:sp>
         <p:nvSpPr>
           <p:cNvPr id="3" name="Content Placeholder 2">
@@ -6276,14 +9079,87 @@
             <p:ph idx="1"/>
           </p:nvPr>
         </p:nvSpPr>
-        <p:spPr/>
-        <p:txBody>
-          <a:bodyPr/>
+        <p:spPr>
+          <a:xfrm>
+            <a:off x="7878675" y="1936955"/>
+            <a:ext cx="3075836" cy="4243182"/>
+          </a:xfrm>
+        </p:spPr>
+        <p:txBody>
+          <a:bodyPr>
+            <a:normAutofit/>
+          </a:bodyPr>
           <a:lstStyle/>
           <a:p>
-            <a:endParaRPr lang="en-US"/>
-          </a:p>
-        </p:txBody>
+            <a:r>
+              <a:rPr lang="en-US" sz="1600" dirty="0"/>
+              <a:t>They are usually used for supervised learning, so there is an answer they can tune to.</a:t>
+            </a:r>
+          </a:p>
+          <a:p>
+            <a:r>
+              <a:rPr lang="en-US" sz="1600" dirty="0"/>
+              <a:t>Backpropagation is critical to the learning process</a:t>
+            </a:r>
+          </a:p>
+        </p:txBody>
+      </p:sp>
+      <p:sp>
+        <p:nvSpPr>
+          <p:cNvPr id="71" name="Rectangle 70">
+            <a:extLst>
+              <a:ext uri="{FF2B5EF4-FFF2-40B4-BE49-F238E27FC236}">
+                <a16:creationId xmlns:a16="http://schemas.microsoft.com/office/drawing/2014/main" id="{027EABFC-C72E-4675-9403-EE09F6E5BB5E}"/>
+              </a:ext>
+              <a:ext uri="{C183D7F6-B498-43B3-948B-1728B52AA6E4}">
+                <adec:decorative xmlns:adec="http://schemas.microsoft.com/office/drawing/2017/decorative" val="1"/>
+              </a:ext>
+            </a:extLst>
+          </p:cNvPr>
+          <p:cNvSpPr>
+            <a:spLocks noGrp="1" noRot="1" noChangeAspect="1" noMove="1" noResize="1" noEditPoints="1" noAdjustHandles="1" noChangeArrowheads="1" noChangeShapeType="1" noTextEdit="1"/>
+          </p:cNvSpPr>
+          <p:nvPr>
+            <p:extLst>
+              <p:ext uri="{386F3935-93C4-4BCD-93E2-E3B085C9AB24}">
+                <p16:designElem xmlns:p16="http://schemas.microsoft.com/office/powerpoint/2015/main" val="1"/>
+              </p:ext>
+            </p:extLst>
+          </p:nvPr>
+        </p:nvSpPr>
+        <p:spPr>
+          <a:xfrm>
+            <a:off x="11292840" y="0"/>
+            <a:ext cx="914400" cy="6858000"/>
+          </a:xfrm>
+          <a:prstGeom prst="rect">
+            <a:avLst/>
+          </a:prstGeom>
+          <a:solidFill>
+            <a:srgbClr val="303030">
+              <a:alpha val="90000"/>
+            </a:srgbClr>
+          </a:solidFill>
+          <a:ln>
+            <a:noFill/>
+          </a:ln>
+        </p:spPr>
+        <p:style>
+          <a:lnRef idx="2">
+            <a:schemeClr val="accent1">
+              <a:shade val="50000"/>
+            </a:schemeClr>
+          </a:lnRef>
+          <a:fillRef idx="1">
+            <a:schemeClr val="accent1"/>
+          </a:fillRef>
+          <a:effectRef idx="0">
+            <a:schemeClr val="accent1"/>
+          </a:effectRef>
+          <a:fontRef idx="minor">
+            <a:schemeClr val="lt1"/>
+          </a:fontRef>
+        </p:style>
       </p:sp>
     </p:spTree>
     <p:extLst>
@@ -6298,7 +9174,227 @@
 </p:sld>
 </file>
 
-<file path=ppt/slides/slide12.xml><?xml version="1.0" encoding="utf-8"?>
+<file path=ppt/slides/slide13.xml><?xml version="1.0" encoding="utf-8"?>
+<p:sld xmlns:a="http://schemas.openxmlformats.org/drawingml/2006/main" xmlns:r="http://schemas.openxmlformats.org/officeDocument/2006/relationships" xmlns:p="http://schemas.openxmlformats.org/presentationml/2006/main">
+  <p:cSld>
+    <p:bg>
+      <p:bgPr>
+        <a:solidFill>
+          <a:schemeClr val="bg1"/>
+        </a:solidFill>
+        <a:effectLst/>
+      </p:bgPr>
+    </p:bg>
+    <p:spTree>
+      <p:nvGrpSpPr>
+        <p:cNvPr id="1" name=""/>
+        <p:cNvGrpSpPr/>
+        <p:nvPr/>
+      </p:nvGrpSpPr>
+      <p:grpSpPr>
+        <a:xfrm>
+          <a:off x="0" y="0"/>
+          <a:ext cx="0" cy="0"/>
+          <a:chOff x="0" y="0"/>
+          <a:chExt cx="0" cy="0"/>
+        </a:xfrm>
+      </p:grpSpPr>
+      <p:sp>
+        <p:nvSpPr>
+          <p:cNvPr id="9" name="Rectangle 8">
+            <a:extLst>
+              <a:ext uri="{FF2B5EF4-FFF2-40B4-BE49-F238E27FC236}">
+                <a16:creationId xmlns:a16="http://schemas.microsoft.com/office/drawing/2014/main" id="{F0FD769F-BDEE-4149-8C98-A92F1F8A145F}"/>
+              </a:ext>
+              <a:ext uri="{C183D7F6-B498-43B3-948B-1728B52AA6E4}">
+                <adec:decorative xmlns:adec="http://schemas.microsoft.com/office/drawing/2017/decorative" val="1"/>
+              </a:ext>
+            </a:extLst>
+          </p:cNvPr>
+          <p:cNvSpPr>
+            <a:spLocks noGrp="1" noRot="1" noChangeAspect="1" noMove="1" noResize="1" noEditPoints="1" noAdjustHandles="1" noChangeArrowheads="1" noChangeShapeType="1" noTextEdit="1"/>
+          </p:cNvSpPr>
+          <p:nvPr>
+            <p:extLst>
+              <p:ext uri="{386F3935-93C4-4BCD-93E2-E3B085C9AB24}">
+                <p16:designElem xmlns:p16="http://schemas.microsoft.com/office/powerpoint/2015/main" val="1"/>
+              </p:ext>
+            </p:extLst>
+          </p:nvPr>
+        </p:nvSpPr>
+        <p:spPr>
+          <a:xfrm>
+            <a:off x="11292840" y="0"/>
+            <a:ext cx="914400" cy="6858000"/>
+          </a:xfrm>
+          <a:prstGeom prst="rect">
+            <a:avLst/>
+          </a:prstGeom>
+          <a:solidFill>
+            <a:srgbClr val="303030"/>
+          </a:solidFill>
+          <a:ln>
+            <a:noFill/>
+          </a:ln>
+        </p:spPr>
+        <p:style>
+          <a:lnRef idx="2">
+            <a:schemeClr val="accent1">
+              <a:shade val="50000"/>
+            </a:schemeClr>
+          </a:lnRef>
+          <a:fillRef idx="1">
+            <a:schemeClr val="accent1"/>
+          </a:fillRef>
+          <a:effectRef idx="0">
+            <a:schemeClr val="accent1"/>
+          </a:effectRef>
+          <a:fontRef idx="minor">
+            <a:schemeClr val="lt1"/>
+          </a:fontRef>
+        </p:style>
+      </p:sp>
+      <p:sp>
+        <p:nvSpPr>
+          <p:cNvPr id="11" name="Rectangle 10">
+            <a:extLst>
+              <a:ext uri="{FF2B5EF4-FFF2-40B4-BE49-F238E27FC236}">
+                <a16:creationId xmlns:a16="http://schemas.microsoft.com/office/drawing/2014/main" id="{DC00EF3B-797F-4060-9460-6EEF08B1B150}"/>
+              </a:ext>
+              <a:ext uri="{C183D7F6-B498-43B3-948B-1728B52AA6E4}">
+                <adec:decorative xmlns:adec="http://schemas.microsoft.com/office/drawing/2017/decorative" val="1"/>
+              </a:ext>
+            </a:extLst>
+          </p:cNvPr>
+          <p:cNvSpPr>
+            <a:spLocks noGrp="1" noRot="1" noChangeAspect="1" noMove="1" noResize="1" noEditPoints="1" noAdjustHandles="1" noChangeArrowheads="1" noChangeShapeType="1" noTextEdit="1"/>
+          </p:cNvSpPr>
+          <p:nvPr>
+            <p:extLst>
+              <p:ext uri="{386F3935-93C4-4BCD-93E2-E3B085C9AB24}">
+                <p16:designElem xmlns:p16="http://schemas.microsoft.com/office/powerpoint/2015/main" val="1"/>
+              </p:ext>
+            </p:extLst>
+          </p:nvPr>
+        </p:nvSpPr>
+        <p:spPr>
+          <a:xfrm>
+            <a:off x="0" y="0"/>
+            <a:ext cx="457200" cy="6858000"/>
+          </a:xfrm>
+          <a:prstGeom prst="rect">
+            <a:avLst/>
+          </a:prstGeom>
+          <a:solidFill>
+            <a:srgbClr val="303030"/>
+          </a:solidFill>
+          <a:ln>
+            <a:noFill/>
+          </a:ln>
+        </p:spPr>
+        <p:style>
+          <a:lnRef idx="2">
+            <a:schemeClr val="accent1">
+              <a:shade val="50000"/>
+            </a:schemeClr>
+          </a:lnRef>
+          <a:fillRef idx="1">
+            <a:schemeClr val="accent1"/>
+          </a:fillRef>
+          <a:effectRef idx="0">
+            <a:schemeClr val="accent1"/>
+          </a:effectRef>
+          <a:fontRef idx="minor">
+            <a:schemeClr val="lt1"/>
+          </a:fontRef>
+        </p:style>
+      </p:sp>
+      <p:sp>
+        <p:nvSpPr>
+          <p:cNvPr id="2" name="Title 1">
+            <a:extLst>
+              <a:ext uri="{FF2B5EF4-FFF2-40B4-BE49-F238E27FC236}">
+                <a16:creationId xmlns:a16="http://schemas.microsoft.com/office/drawing/2014/main" id="{4D62B5D2-B845-48E7-9455-4CC04E9EA26F}"/>
+              </a:ext>
+            </a:extLst>
+          </p:cNvPr>
+          <p:cNvSpPr>
+            <a:spLocks noGrp="1"/>
+          </p:cNvSpPr>
+          <p:nvPr>
+            <p:ph type="title"/>
+          </p:nvPr>
+        </p:nvSpPr>
+        <p:spPr>
+          <a:xfrm>
+            <a:off x="825620" y="3749041"/>
+            <a:ext cx="10085033" cy="1635760"/>
+          </a:xfrm>
+        </p:spPr>
+        <p:txBody>
+          <a:bodyPr vert="horz" lIns="91440" tIns="45720" rIns="91440" bIns="45720" rtlCol="0" anchor="b">
+            <a:normAutofit/>
+          </a:bodyPr>
+          <a:lstStyle/>
+          <a:p>
+            <a:pPr algn="ctr">
+              <a:lnSpc>
+                <a:spcPct val="85000"/>
+              </a:lnSpc>
+            </a:pPr>
+            <a:r>
+              <a:rPr lang="en-US" sz="7200"/>
+              <a:t>What is a tensor?</a:t>
+            </a:r>
+          </a:p>
+        </p:txBody>
+      </p:sp>
+      <p:pic>
+        <p:nvPicPr>
+          <p:cNvPr id="4" name="Content Placeholder 3">
+            <a:extLst>
+              <a:ext uri="{FF2B5EF4-FFF2-40B4-BE49-F238E27FC236}">
+                <a16:creationId xmlns:a16="http://schemas.microsoft.com/office/drawing/2014/main" id="{3146D632-75D3-43F8-9A49-75B56B66EDF1}"/>
+              </a:ext>
+            </a:extLst>
+          </p:cNvPr>
+          <p:cNvPicPr>
+            <a:picLocks noGrp="1" noChangeAspect="1"/>
+          </p:cNvPicPr>
+          <p:nvPr>
+            <p:ph idx="1"/>
+          </p:nvPr>
+        </p:nvPicPr>
+        <p:blipFill>
+          <a:blip r:embed="rId2"/>
+          <a:stretch>
+            <a:fillRect/>
+          </a:stretch>
+        </p:blipFill>
+        <p:spPr>
+          <a:xfrm>
+            <a:off x="2247741" y="914399"/>
+            <a:ext cx="7240790" cy="2570481"/>
+          </a:xfrm>
+          <a:prstGeom prst="rect">
+            <a:avLst/>
+          </a:prstGeom>
+        </p:spPr>
+      </p:pic>
+    </p:spTree>
+    <p:extLst>
+      <p:ext uri="{BB962C8B-B14F-4D97-AF65-F5344CB8AC3E}">
+        <p14:creationId xmlns:p14="http://schemas.microsoft.com/office/powerpoint/2010/main" val="792730676"/>
+      </p:ext>
+    </p:extLst>
+  </p:cSld>
+  <p:clrMapOvr>
+    <a:masterClrMapping/>
+  </p:clrMapOvr>
+</p:sld>
+</file>
+
+<file path=ppt/slides/slide14.xml><?xml version="1.0" encoding="utf-8"?>
 <p:sld xmlns:a="http://schemas.openxmlformats.org/drawingml/2006/main" xmlns:r="http://schemas.openxmlformats.org/officeDocument/2006/relationships" xmlns:p="http://schemas.openxmlformats.org/presentationml/2006/main">
   <p:cSld>
     <p:spTree>
@@ -6415,8 +9511,8 @@
 </p:sld>
 </file>
 
-<file path=ppt/slides/slide13.xml><?xml version="1.0" encoding="utf-8"?>
-<p:sld xmlns:a="http://schemas.openxmlformats.org/drawingml/2006/main" xmlns:r="http://schemas.openxmlformats.org/officeDocument/2006/relationships" xmlns:p="http://schemas.openxmlformats.org/presentationml/2006/main">
+<file path=ppt/slides/slide15.xml><?xml version="1.0" encoding="utf-8"?>
+<p:sld xmlns:a="http://schemas.openxmlformats.org/drawingml/2006/main" xmlns:r="http://schemas.openxmlformats.org/officeDocument/2006/relationships" xmlns:p="http://schemas.openxmlformats.org/presentationml/2006/main" show="0">
   <p:cSld>
     <p:spTree>
       <p:nvGrpSpPr>
@@ -6495,13 +9591,8 @@
             </a:pPr>
             <a:r>
               <a:rPr lang="en-US" dirty="0"/>
-              <a:t>Which approach to improving model stability was the most successful for the example in the reading? Why do </a:t>
-            </a:r>
-            <a:r>
-              <a:rPr lang="en-US"/>
-              <a:t>you think that was?</a:t>
-            </a:r>
-            <a:endParaRPr lang="en-US" dirty="0"/>
+              <a:t>Which approach to improving model stability was the most successful for the example in the reading? Why do you think that was?</a:t>
+            </a:r>
           </a:p>
         </p:txBody>
       </p:sp>
@@ -6518,7 +9609,7 @@
 </p:sld>
 </file>
 
-<file path=ppt/slides/slide14.xml><?xml version="1.0" encoding="utf-8"?>
+<file path=ppt/slides/slide16.xml><?xml version="1.0" encoding="utf-8"?>
 <p:sld xmlns:a="http://schemas.openxmlformats.org/drawingml/2006/main" xmlns:r="http://schemas.openxmlformats.org/officeDocument/2006/relationships" xmlns:p="http://schemas.openxmlformats.org/presentationml/2006/main">
   <p:cSld>
     <p:spTree>

--- a/course_material/week_18/week_18_presentation.pptx
+++ b/course_material/week_18/week_18_presentation.pptx
@@ -4163,7 +4163,7 @@
           <a:p>
             <a:fld id="{5CF9EFDB-215C-4120-ADCB-EAD745B7163E}" type="datetimeFigureOut">
               <a:rPr lang="en-US" smtClean="0"/>
-              <a:t>1/19/2022</a:t>
+              <a:t>1/25/2022</a:t>
             </a:fld>
             <a:endParaRPr lang="en-US"/>
           </a:p>
@@ -5476,7 +5476,7 @@
           <a:p>
             <a:fld id="{ACF1A1B0-862D-4909-A7DB-D8ADA062DFCA}" type="datetimeFigureOut">
               <a:rPr lang="en-US" dirty="0"/>
-              <a:t>1/19/2022</a:t>
+              <a:t>1/25/2022</a:t>
             </a:fld>
             <a:endParaRPr lang="en-US"/>
           </a:p>
@@ -5699,7 +5699,7 @@
           <a:p>
             <a:fld id="{7B156144-9CB7-4E3A-B87E-A382F9BE05EF}" type="datetimeFigureOut">
               <a:rPr lang="en-US" dirty="0"/>
-              <a:t>1/19/2022</a:t>
+              <a:t>1/25/2022</a:t>
             </a:fld>
             <a:endParaRPr lang="en-US"/>
           </a:p>
@@ -5877,7 +5877,7 @@
           <a:p>
             <a:fld id="{2643D55F-46AB-4791-9172-4FA8DD3A6A9C}" type="datetimeFigureOut">
               <a:rPr lang="en-US" dirty="0"/>
-              <a:t>1/19/2022</a:t>
+              <a:t>1/25/2022</a:t>
             </a:fld>
             <a:endParaRPr lang="en-US"/>
           </a:p>
@@ -6045,7 +6045,7 @@
           <a:p>
             <a:fld id="{58026881-8A08-449C-8D73-E5F201F814C1}" type="datetimeFigureOut">
               <a:rPr lang="en-US" dirty="0"/>
-              <a:t>1/19/2022</a:t>
+              <a:t>1/25/2022</a:t>
             </a:fld>
             <a:endParaRPr lang="en-US"/>
           </a:p>
@@ -6335,7 +6335,7 @@
           <a:p>
             <a:fld id="{1BEB5A5E-0C07-4E93-A112-D37B4D166B30}" type="datetimeFigureOut">
               <a:rPr lang="en-US" dirty="0"/>
-              <a:t>1/19/2022</a:t>
+              <a:t>1/25/2022</a:t>
             </a:fld>
             <a:endParaRPr lang="en-US"/>
           </a:p>
@@ -6658,7 +6658,7 @@
           <a:p>
             <a:fld id="{9E1F71C5-DC57-4358-A1EA-30C08AF6E3C5}" type="datetimeFigureOut">
               <a:rPr lang="en-US" dirty="0"/>
-              <a:t>1/19/2022</a:t>
+              <a:t>1/25/2022</a:t>
             </a:fld>
             <a:endParaRPr lang="en-US"/>
           </a:p>
@@ -7067,7 +7067,7 @@
           <a:p>
             <a:fld id="{12571DBA-DE60-4731-B773-47AAA185C143}" type="datetimeFigureOut">
               <a:rPr lang="en-US" dirty="0"/>
-              <a:t>1/19/2022</a:t>
+              <a:t>1/25/2022</a:t>
             </a:fld>
             <a:endParaRPr lang="en-US"/>
           </a:p>
@@ -7184,7 +7184,7 @@
           <a:p>
             <a:fld id="{4F170639-886C-4FCF-9EAB-ABB5DA3F3F4A}" type="datetimeFigureOut">
               <a:rPr lang="en-US" dirty="0"/>
-              <a:t>1/19/2022</a:t>
+              <a:t>1/25/2022</a:t>
             </a:fld>
             <a:endParaRPr lang="en-US"/>
           </a:p>
@@ -7279,7 +7279,7 @@
           <a:p>
             <a:fld id="{34C4A628-C83B-4C66-83F4-1711CE3738FD}" type="datetimeFigureOut">
               <a:rPr lang="en-US" dirty="0"/>
-              <a:t>1/19/2022</a:t>
+              <a:t>1/25/2022</a:t>
             </a:fld>
             <a:endParaRPr lang="en-US"/>
           </a:p>
@@ -7564,7 +7564,7 @@
           <a:p>
             <a:fld id="{B88C1D73-9400-43CA-A37F-F9B7D00DE14C}" type="datetimeFigureOut">
               <a:rPr lang="en-US" dirty="0"/>
-              <a:t>1/19/2022</a:t>
+              <a:t>1/25/2022</a:t>
             </a:fld>
             <a:endParaRPr lang="en-US"/>
           </a:p>
@@ -7836,7 +7836,7 @@
           <a:p>
             <a:fld id="{188B7711-B905-4633-B4D7-6F3A49A2E7D9}" type="datetimeFigureOut">
               <a:rPr lang="en-US" dirty="0"/>
-              <a:t>1/19/2022</a:t>
+              <a:t>1/25/2022</a:t>
             </a:fld>
             <a:endParaRPr lang="en-US"/>
           </a:p>
@@ -8086,7 +8086,7 @@
             <a:fld id="{89C235CF-BDA2-4E7E-8BBD-350479985E74}" type="datetimeFigureOut">
               <a:rPr lang="en-US" dirty="0"/>
               <a:pPr/>
-              <a:t>1/19/2022</a:t>
+              <a:t>1/25/2022</a:t>
             </a:fld>
             <a:endParaRPr lang="en-US"/>
           </a:p>
@@ -9928,13 +9928,13 @@
           <a:p>
             <a:r>
               <a:rPr lang="en-US" dirty="0"/>
-              <a:t>Review Homework (20 mins)</a:t>
+              <a:t>Review Homework (15 mins)</a:t>
             </a:r>
           </a:p>
           <a:p>
             <a:r>
               <a:rPr lang="en-US" dirty="0"/>
-              <a:t>Intro to Neural Networks (35 mins)</a:t>
+              <a:t>Intro to Neural Networks (40 mins)</a:t>
             </a:r>
           </a:p>
           <a:p>
@@ -10823,6 +10823,39 @@
               <a:rPr lang="en-US" dirty="0"/>
               <a:t>What are the steps your brain goes through when a deer runs out in front of your car? </a:t>
             </a:r>
+          </a:p>
+          <a:p>
+            <a:r>
+              <a:rPr lang="en-US" dirty="0"/>
+              <a:t>Eyes take in movement and resolves into realization and categorizes – flight response</a:t>
+            </a:r>
+          </a:p>
+          <a:p>
+            <a:r>
+              <a:rPr lang="en-US" dirty="0"/>
+              <a:t>Panic – gasp, swear, yell</a:t>
+            </a:r>
+          </a:p>
+          <a:p>
+            <a:r>
+              <a:rPr lang="en-US" dirty="0"/>
+              <a:t>Check rear-view mirrors to see if you will get rear ended</a:t>
+            </a:r>
+          </a:p>
+          <a:p>
+            <a:r>
+              <a:rPr lang="en-US" dirty="0"/>
+              <a:t>Breathing fast</a:t>
+            </a:r>
+          </a:p>
+          <a:p>
+            <a:r>
+              <a:rPr lang="en-US" dirty="0"/>
+              <a:t>Step on brakes, swerve, slow down, drive onto shoulder </a:t>
+            </a:r>
+          </a:p>
+          <a:p>
+            <a:endParaRPr lang="en-US" dirty="0"/>
           </a:p>
         </p:txBody>
       </p:sp>
